--- a/gpu/EE817 Lecture 8 CUDA Parallel Reduction Problem.pptx
+++ b/gpu/EE817 Lecture 8 CUDA Parallel Reduction Problem.pptx
@@ -5,10 +5,10 @@
     <p:sldMasterId id="2147483660" r:id="rId1"/>
   </p:sldMasterIdLst>
   <p:notesMasterIdLst>
-    <p:notesMasterId r:id="rId42"/>
+    <p:notesMasterId r:id="rId45"/>
   </p:notesMasterIdLst>
   <p:handoutMasterIdLst>
-    <p:handoutMasterId r:id="rId43"/>
+    <p:handoutMasterId r:id="rId46"/>
   </p:handoutMasterIdLst>
   <p:sldIdLst>
     <p:sldId id="282" r:id="rId2"/>
@@ -19,38 +19,41 @@
     <p:sldId id="286" r:id="rId7"/>
     <p:sldId id="287" r:id="rId8"/>
     <p:sldId id="297" r:id="rId9"/>
-    <p:sldId id="313" r:id="rId10"/>
-    <p:sldId id="314" r:id="rId11"/>
-    <p:sldId id="315" r:id="rId12"/>
-    <p:sldId id="298" r:id="rId13"/>
-    <p:sldId id="290" r:id="rId14"/>
-    <p:sldId id="317" r:id="rId15"/>
-    <p:sldId id="306" r:id="rId16"/>
-    <p:sldId id="321" r:id="rId17"/>
-    <p:sldId id="299" r:id="rId18"/>
-    <p:sldId id="289" r:id="rId19"/>
-    <p:sldId id="318" r:id="rId20"/>
-    <p:sldId id="322" r:id="rId21"/>
-    <p:sldId id="300" r:id="rId22"/>
-    <p:sldId id="291" r:id="rId23"/>
-    <p:sldId id="307" r:id="rId24"/>
-    <p:sldId id="292" r:id="rId25"/>
-    <p:sldId id="293" r:id="rId26"/>
-    <p:sldId id="323" r:id="rId27"/>
-    <p:sldId id="302" r:id="rId28"/>
-    <p:sldId id="308" r:id="rId29"/>
-    <p:sldId id="309" r:id="rId30"/>
-    <p:sldId id="324" r:id="rId31"/>
-    <p:sldId id="325" r:id="rId32"/>
-    <p:sldId id="326" r:id="rId33"/>
-    <p:sldId id="311" r:id="rId34"/>
-    <p:sldId id="312" r:id="rId35"/>
-    <p:sldId id="294" r:id="rId36"/>
-    <p:sldId id="329" r:id="rId37"/>
-    <p:sldId id="327" r:id="rId38"/>
-    <p:sldId id="328" r:id="rId39"/>
-    <p:sldId id="316" r:id="rId40"/>
-    <p:sldId id="330" r:id="rId41"/>
+    <p:sldId id="331" r:id="rId10"/>
+    <p:sldId id="313" r:id="rId11"/>
+    <p:sldId id="314" r:id="rId12"/>
+    <p:sldId id="315" r:id="rId13"/>
+    <p:sldId id="298" r:id="rId14"/>
+    <p:sldId id="290" r:id="rId15"/>
+    <p:sldId id="317" r:id="rId16"/>
+    <p:sldId id="306" r:id="rId17"/>
+    <p:sldId id="321" r:id="rId18"/>
+    <p:sldId id="299" r:id="rId19"/>
+    <p:sldId id="289" r:id="rId20"/>
+    <p:sldId id="318" r:id="rId21"/>
+    <p:sldId id="322" r:id="rId22"/>
+    <p:sldId id="300" r:id="rId23"/>
+    <p:sldId id="291" r:id="rId24"/>
+    <p:sldId id="307" r:id="rId25"/>
+    <p:sldId id="292" r:id="rId26"/>
+    <p:sldId id="293" r:id="rId27"/>
+    <p:sldId id="323" r:id="rId28"/>
+    <p:sldId id="302" r:id="rId29"/>
+    <p:sldId id="308" r:id="rId30"/>
+    <p:sldId id="309" r:id="rId31"/>
+    <p:sldId id="332" r:id="rId32"/>
+    <p:sldId id="324" r:id="rId33"/>
+    <p:sldId id="325" r:id="rId34"/>
+    <p:sldId id="326" r:id="rId35"/>
+    <p:sldId id="311" r:id="rId36"/>
+    <p:sldId id="312" r:id="rId37"/>
+    <p:sldId id="294" r:id="rId38"/>
+    <p:sldId id="333" r:id="rId39"/>
+    <p:sldId id="329" r:id="rId40"/>
+    <p:sldId id="327" r:id="rId41"/>
+    <p:sldId id="328" r:id="rId42"/>
+    <p:sldId id="316" r:id="rId43"/>
+    <p:sldId id="330" r:id="rId44"/>
   </p:sldIdLst>
   <p:sldSz cx="9144000" cy="6858000" type="screen4x3"/>
   <p:notesSz cx="9874250" cy="6797675"/>
@@ -280,7 +283,7 @@
           <a:p>
             <a:fld id="{0958D145-3F61-4970-8B92-DDA610F3EB4F}" type="datetimeFigureOut">
               <a:rPr lang="ko-KR" altLang="en-US" smtClean="0"/>
-              <a:t>2017-04-11</a:t>
+              <a:t>2017-04-19</a:t>
             </a:fld>
             <a:endParaRPr lang="ko-KR" altLang="en-US" dirty="0"/>
           </a:p>
@@ -475,7 +478,7 @@
               <a:pPr>
                 <a:defRPr/>
               </a:pPr>
-              <a:t>2017-04-11</a:t>
+              <a:t>2017-04-18</a:t>
             </a:fld>
             <a:endParaRPr lang="ko-KR" altLang="en-US" dirty="0"/>
           </a:p>
@@ -1247,7 +1250,7 @@
               <a:pPr>
                 <a:defRPr/>
               </a:pPr>
-              <a:t>4/11/2017</a:t>
+              <a:t>4/18/2017</a:t>
             </a:fld>
             <a:endParaRPr lang="en-US" altLang="ko-KR" dirty="0"/>
           </a:p>
@@ -1449,7 +1452,7 @@
               <a:pPr>
                 <a:defRPr/>
               </a:pPr>
-              <a:t>4/11/2017</a:t>
+              <a:t>4/18/2017</a:t>
             </a:fld>
             <a:endParaRPr lang="en-US" altLang="ko-KR" dirty="0"/>
           </a:p>
@@ -1882,7 +1885,7 @@
               <a:pPr>
                 <a:defRPr/>
               </a:pPr>
-              <a:t>4/11/2017</a:t>
+              <a:t>4/18/2017</a:t>
             </a:fld>
             <a:endParaRPr lang="en-US" altLang="ko-KR" dirty="0"/>
           </a:p>
@@ -2079,7 +2082,7 @@
               <a:pPr>
                 <a:defRPr/>
               </a:pPr>
-              <a:t>4/11/2017</a:t>
+              <a:t>4/18/2017</a:t>
             </a:fld>
             <a:endParaRPr lang="en-US" altLang="ko-KR" dirty="0"/>
           </a:p>
@@ -2594,7 +2597,7 @@
               <a:pPr>
                 <a:defRPr/>
               </a:pPr>
-              <a:t>4/11/2017</a:t>
+              <a:t>4/18/2017</a:t>
             </a:fld>
             <a:endParaRPr lang="en-US" altLang="ko-KR" dirty="0"/>
           </a:p>
@@ -2909,7 +2912,7 @@
               <a:pPr>
                 <a:defRPr/>
               </a:pPr>
-              <a:t>4/11/2017</a:t>
+              <a:t>4/18/2017</a:t>
             </a:fld>
             <a:endParaRPr lang="en-US" altLang="ko-KR" dirty="0"/>
           </a:p>
@@ -3412,7 +3415,7 @@
               <a:pPr>
                 <a:defRPr/>
               </a:pPr>
-              <a:t>4/11/2017</a:t>
+              <a:t>4/18/2017</a:t>
             </a:fld>
             <a:endParaRPr lang="en-US" altLang="ko-KR" dirty="0"/>
           </a:p>
@@ -3800,7 +3803,7 @@
               <a:pPr>
                 <a:defRPr/>
               </a:pPr>
-              <a:t>4/11/2017</a:t>
+              <a:t>4/18/2017</a:t>
             </a:fld>
             <a:endParaRPr lang="en-US" altLang="ko-KR" dirty="0"/>
           </a:p>
@@ -4258,7 +4261,7 @@
               <a:pPr>
                 <a:defRPr/>
               </a:pPr>
-              <a:t>4/11/2017</a:t>
+              <a:t>4/18/2017</a:t>
             </a:fld>
             <a:endParaRPr lang="en-US" altLang="ko-KR" dirty="0"/>
           </a:p>
@@ -4556,7 +4559,7 @@
               <a:pPr>
                 <a:defRPr/>
               </a:pPr>
-              <a:t>4/11/2017</a:t>
+              <a:t>4/18/2017</a:t>
             </a:fld>
             <a:endParaRPr lang="en-US" altLang="ko-KR" dirty="0"/>
           </a:p>
@@ -4886,7 +4889,7 @@
               <a:pPr>
                 <a:defRPr/>
               </a:pPr>
-              <a:t>4/11/2017</a:t>
+              <a:t>4/18/2017</a:t>
             </a:fld>
             <a:endParaRPr lang="en-US" altLang="ko-KR" dirty="0"/>
           </a:p>
@@ -5404,7 +5407,7 @@
               <a:pPr>
                 <a:defRPr/>
               </a:pPr>
-              <a:t>4/11/2017</a:t>
+              <a:t>4/18/2017</a:t>
             </a:fld>
             <a:endParaRPr lang="en-US" altLang="ko-KR" dirty="0"/>
           </a:p>
@@ -6065,6 +6068,117 @@
           <a:p>
             <a:r>
               <a:rPr lang="en-US" altLang="ko-KR" dirty="0"/>
+              <a:t>Warp Divergence</a:t>
+            </a:r>
+            <a:endParaRPr lang="ko-KR" altLang="en-US" dirty="0"/>
+          </a:p>
+        </p:txBody>
+      </p:sp>
+      <p:sp>
+        <p:nvSpPr>
+          <p:cNvPr id="3" name="내용 개체 틀 2"/>
+          <p:cNvSpPr>
+            <a:spLocks noGrp="1"/>
+          </p:cNvSpPr>
+          <p:nvPr>
+            <p:ph idx="1"/>
+          </p:nvPr>
+        </p:nvSpPr>
+        <p:spPr/>
+        <p:txBody>
+          <a:bodyPr/>
+          <a:lstStyle/>
+          <a:p>
+            <a:r>
+              <a:rPr lang="en-US" altLang="ko-KR" dirty="0"/>
+              <a:t>All threads in a warp must execute identical instructions on the same cycle.</a:t>
+            </a:r>
+          </a:p>
+          <a:p>
+            <a:r>
+              <a:rPr lang="en-US" altLang="ko-KR" dirty="0"/>
+              <a:t>If threads in the same warp take different paths, what will happen?</a:t>
+            </a:r>
+          </a:p>
+          <a:p>
+            <a:r>
+              <a:rPr lang="en-US" altLang="ko-KR" dirty="0"/>
+              <a:t>if( condition) { }</a:t>
+            </a:r>
+          </a:p>
+          <a:p>
+            <a:pPr marL="0" indent="0">
+              <a:buNone/>
+            </a:pPr>
+            <a:r>
+              <a:rPr lang="en-US" altLang="ko-KR" dirty="0"/>
+              <a:t>   else { }</a:t>
+            </a:r>
+          </a:p>
+          <a:p>
+            <a:r>
+              <a:rPr lang="en-US" altLang="ko-KR" dirty="0">
+                <a:solidFill>
+                  <a:srgbClr val="FF0000"/>
+                </a:solidFill>
+              </a:rPr>
+              <a:t>Warp Divergence : Threads in the same warp executing different instructions.</a:t>
+            </a:r>
+            <a:endParaRPr lang="ko-KR" altLang="en-US" dirty="0">
+              <a:solidFill>
+                <a:srgbClr val="FF0000"/>
+              </a:solidFill>
+            </a:endParaRPr>
+          </a:p>
+        </p:txBody>
+      </p:sp>
+    </p:spTree>
+    <p:extLst>
+      <p:ext uri="{BB962C8B-B14F-4D97-AF65-F5344CB8AC3E}">
+        <p14:creationId xmlns:p14="http://schemas.microsoft.com/office/powerpoint/2010/main" val="2020717529"/>
+      </p:ext>
+    </p:extLst>
+  </p:cSld>
+  <p:clrMapOvr>
+    <a:masterClrMapping/>
+  </p:clrMapOvr>
+</p:sld>
+</file>
+
+<file path=ppt/slides/slide11.xml><?xml version="1.0" encoding="utf-8"?>
+<p:sld xmlns:a="http://schemas.openxmlformats.org/drawingml/2006/main" xmlns:r="http://schemas.openxmlformats.org/officeDocument/2006/relationships" xmlns:p="http://schemas.openxmlformats.org/presentationml/2006/main">
+  <p:cSld>
+    <p:spTree>
+      <p:nvGrpSpPr>
+        <p:cNvPr id="1" name=""/>
+        <p:cNvGrpSpPr/>
+        <p:nvPr/>
+      </p:nvGrpSpPr>
+      <p:grpSpPr>
+        <a:xfrm>
+          <a:off x="0" y="0"/>
+          <a:ext cx="0" cy="0"/>
+          <a:chOff x="0" y="0"/>
+          <a:chExt cx="0" cy="0"/>
+        </a:xfrm>
+      </p:grpSpPr>
+      <p:sp>
+        <p:nvSpPr>
+          <p:cNvPr id="2" name="제목 1"/>
+          <p:cNvSpPr>
+            <a:spLocks noGrp="1"/>
+          </p:cNvSpPr>
+          <p:nvPr>
+            <p:ph type="title"/>
+          </p:nvPr>
+        </p:nvSpPr>
+        <p:spPr/>
+        <p:txBody>
+          <a:bodyPr/>
+          <a:lstStyle/>
+          <a:p>
+            <a:r>
+              <a:rPr lang="en-US" altLang="ko-KR" dirty="0"/>
               <a:t>Threads in a warp divergence</a:t>
             </a:r>
             <a:endParaRPr lang="ko-KR" altLang="en-US" dirty="0"/>
@@ -6692,88 +6806,6 @@
 </p:sld>
 </file>
 
-<file path=ppt/slides/slide11.xml><?xml version="1.0" encoding="utf-8"?>
-<p:sld xmlns:a="http://schemas.openxmlformats.org/drawingml/2006/main" xmlns:r="http://schemas.openxmlformats.org/officeDocument/2006/relationships" xmlns:p="http://schemas.openxmlformats.org/presentationml/2006/main">
-  <p:cSld>
-    <p:spTree>
-      <p:nvGrpSpPr>
-        <p:cNvPr id="1" name=""/>
-        <p:cNvGrpSpPr/>
-        <p:nvPr/>
-      </p:nvGrpSpPr>
-      <p:grpSpPr>
-        <a:xfrm>
-          <a:off x="0" y="0"/>
-          <a:ext cx="0" cy="0"/>
-          <a:chOff x="0" y="0"/>
-          <a:chExt cx="0" cy="0"/>
-        </a:xfrm>
-      </p:grpSpPr>
-      <p:sp>
-        <p:nvSpPr>
-          <p:cNvPr id="2" name="제목 1"/>
-          <p:cNvSpPr>
-            <a:spLocks noGrp="1"/>
-          </p:cNvSpPr>
-          <p:nvPr>
-            <p:ph type="title"/>
-          </p:nvPr>
-        </p:nvSpPr>
-        <p:spPr/>
-        <p:txBody>
-          <a:bodyPr/>
-          <a:lstStyle/>
-          <a:p>
-            <a:r>
-              <a:rPr lang="en-US" altLang="ko-KR" dirty="0"/>
-              <a:t>Warp Divergence</a:t>
-            </a:r>
-            <a:endParaRPr lang="ko-KR" altLang="en-US" dirty="0"/>
-          </a:p>
-        </p:txBody>
-      </p:sp>
-      <p:sp>
-        <p:nvSpPr>
-          <p:cNvPr id="3" name="내용 개체 틀 2"/>
-          <p:cNvSpPr>
-            <a:spLocks noGrp="1"/>
-          </p:cNvSpPr>
-          <p:nvPr>
-            <p:ph idx="1"/>
-          </p:nvPr>
-        </p:nvSpPr>
-        <p:spPr/>
-        <p:txBody>
-          <a:bodyPr/>
-          <a:lstStyle/>
-          <a:p>
-            <a:r>
-              <a:rPr lang="en-US" altLang="ko-KR" dirty="0"/>
-              <a:t>Conditional execution within a warp may cause warp divergence that can lead to kernel performance degradation.</a:t>
-            </a:r>
-          </a:p>
-          <a:p>
-            <a:r>
-              <a:rPr lang="en-US" altLang="ko-KR" dirty="0"/>
-              <a:t>We can reduce  the warp divergence using parallel reduction.</a:t>
-            </a:r>
-            <a:endParaRPr lang="ko-KR" altLang="en-US" dirty="0"/>
-          </a:p>
-        </p:txBody>
-      </p:sp>
-    </p:spTree>
-    <p:extLst>
-      <p:ext uri="{BB962C8B-B14F-4D97-AF65-F5344CB8AC3E}">
-        <p14:creationId xmlns:p14="http://schemas.microsoft.com/office/powerpoint/2010/main" val="2975146951"/>
-      </p:ext>
-    </p:extLst>
-  </p:cSld>
-  <p:clrMapOvr>
-    <a:masterClrMapping/>
-  </p:clrMapOvr>
-</p:sld>
-</file>
-
 <file path=ppt/slides/slide12.xml><?xml version="1.0" encoding="utf-8"?>
 <p:sld xmlns:a="http://schemas.openxmlformats.org/drawingml/2006/main" xmlns:r="http://schemas.openxmlformats.org/officeDocument/2006/relationships" xmlns:p="http://schemas.openxmlformats.org/presentationml/2006/main">
   <p:cSld>
@@ -6808,6 +6840,88 @@
           <a:p>
             <a:r>
               <a:rPr lang="en-US" altLang="ko-KR" dirty="0"/>
+              <a:t>Warp Divergence</a:t>
+            </a:r>
+            <a:endParaRPr lang="ko-KR" altLang="en-US" dirty="0"/>
+          </a:p>
+        </p:txBody>
+      </p:sp>
+      <p:sp>
+        <p:nvSpPr>
+          <p:cNvPr id="3" name="내용 개체 틀 2"/>
+          <p:cNvSpPr>
+            <a:spLocks noGrp="1"/>
+          </p:cNvSpPr>
+          <p:nvPr>
+            <p:ph idx="1"/>
+          </p:nvPr>
+        </p:nvSpPr>
+        <p:spPr/>
+        <p:txBody>
+          <a:bodyPr/>
+          <a:lstStyle/>
+          <a:p>
+            <a:r>
+              <a:rPr lang="en-US" altLang="ko-KR" dirty="0"/>
+              <a:t>Conditional execution within a warp may cause warp divergence that can lead to kernel performance degradation.</a:t>
+            </a:r>
+          </a:p>
+          <a:p>
+            <a:r>
+              <a:rPr lang="en-US" altLang="ko-KR" dirty="0"/>
+              <a:t>We can reduce  the warp divergence using parallel reduction.</a:t>
+            </a:r>
+            <a:endParaRPr lang="ko-KR" altLang="en-US" dirty="0"/>
+          </a:p>
+        </p:txBody>
+      </p:sp>
+    </p:spTree>
+    <p:extLst>
+      <p:ext uri="{BB962C8B-B14F-4D97-AF65-F5344CB8AC3E}">
+        <p14:creationId xmlns:p14="http://schemas.microsoft.com/office/powerpoint/2010/main" val="2975146951"/>
+      </p:ext>
+    </p:extLst>
+  </p:cSld>
+  <p:clrMapOvr>
+    <a:masterClrMapping/>
+  </p:clrMapOvr>
+</p:sld>
+</file>
+
+<file path=ppt/slides/slide13.xml><?xml version="1.0" encoding="utf-8"?>
+<p:sld xmlns:a="http://schemas.openxmlformats.org/drawingml/2006/main" xmlns:r="http://schemas.openxmlformats.org/officeDocument/2006/relationships" xmlns:p="http://schemas.openxmlformats.org/presentationml/2006/main">
+  <p:cSld>
+    <p:spTree>
+      <p:nvGrpSpPr>
+        <p:cNvPr id="1" name=""/>
+        <p:cNvGrpSpPr/>
+        <p:nvPr/>
+      </p:nvGrpSpPr>
+      <p:grpSpPr>
+        <a:xfrm>
+          <a:off x="0" y="0"/>
+          <a:ext cx="0" cy="0"/>
+          <a:chOff x="0" y="0"/>
+          <a:chExt cx="0" cy="0"/>
+        </a:xfrm>
+      </p:grpSpPr>
+      <p:sp>
+        <p:nvSpPr>
+          <p:cNvPr id="2" name="제목 1"/>
+          <p:cNvSpPr>
+            <a:spLocks noGrp="1"/>
+          </p:cNvSpPr>
+          <p:nvPr>
+            <p:ph type="title"/>
+          </p:nvPr>
+        </p:nvSpPr>
+        <p:spPr/>
+        <p:txBody>
+          <a:bodyPr/>
+          <a:lstStyle/>
+          <a:p>
+            <a:r>
+              <a:rPr lang="en-US" altLang="ko-KR" dirty="0"/>
               <a:t>Step2:Neighboring threads</a:t>
             </a:r>
             <a:endParaRPr lang="ko-KR" altLang="en-US" dirty="0"/>
@@ -7020,7 +7134,7 @@
 </p:sld>
 </file>
 
-<file path=ppt/slides/slide13.xml><?xml version="1.0" encoding="utf-8"?>
+<file path=ppt/slides/slide14.xml><?xml version="1.0" encoding="utf-8"?>
 <p:sld xmlns:a="http://schemas.openxmlformats.org/drawingml/2006/main" xmlns:r="http://schemas.openxmlformats.org/officeDocument/2006/relationships" xmlns:p="http://schemas.openxmlformats.org/presentationml/2006/main">
   <p:cSld>
     <p:spTree>
@@ -7622,7 +7736,7 @@
 </p:sld>
 </file>
 
-<file path=ppt/slides/slide14.xml><?xml version="1.0" encoding="utf-8"?>
+<file path=ppt/slides/slide15.xml><?xml version="1.0" encoding="utf-8"?>
 <p:sld xmlns:a="http://schemas.openxmlformats.org/drawingml/2006/main" xmlns:r="http://schemas.openxmlformats.org/officeDocument/2006/relationships" xmlns:p="http://schemas.openxmlformats.org/presentationml/2006/main">
   <p:cSld>
     <p:spTree>
@@ -7769,107 +7883,6 @@
 </p:sld>
 </file>
 
-<file path=ppt/slides/slide15.xml><?xml version="1.0" encoding="utf-8"?>
-<p:sld xmlns:a="http://schemas.openxmlformats.org/drawingml/2006/main" xmlns:r="http://schemas.openxmlformats.org/officeDocument/2006/relationships" xmlns:p="http://schemas.openxmlformats.org/presentationml/2006/main">
-  <p:cSld>
-    <p:spTree>
-      <p:nvGrpSpPr>
-        <p:cNvPr id="1" name=""/>
-        <p:cNvGrpSpPr/>
-        <p:nvPr/>
-      </p:nvGrpSpPr>
-      <p:grpSpPr>
-        <a:xfrm>
-          <a:off x="0" y="0"/>
-          <a:ext cx="0" cy="0"/>
-          <a:chOff x="0" y="0"/>
-          <a:chExt cx="0" cy="0"/>
-        </a:xfrm>
-      </p:grpSpPr>
-      <p:sp>
-        <p:nvSpPr>
-          <p:cNvPr id="2" name="제목 1"/>
-          <p:cNvSpPr>
-            <a:spLocks noGrp="1"/>
-          </p:cNvSpPr>
-          <p:nvPr>
-            <p:ph type="title"/>
-          </p:nvPr>
-        </p:nvSpPr>
-        <p:spPr/>
-        <p:txBody>
-          <a:bodyPr/>
-          <a:lstStyle/>
-          <a:p>
-            <a:endParaRPr lang="ko-KR" altLang="en-US" dirty="0"/>
-          </a:p>
-        </p:txBody>
-      </p:sp>
-      <p:sp>
-        <p:nvSpPr>
-          <p:cNvPr id="3" name="내용 개체 틀 2"/>
-          <p:cNvSpPr>
-            <a:spLocks noGrp="1"/>
-          </p:cNvSpPr>
-          <p:nvPr>
-            <p:ph idx="1"/>
-          </p:nvPr>
-        </p:nvSpPr>
-        <p:spPr/>
-        <p:txBody>
-          <a:bodyPr/>
-          <a:lstStyle/>
-          <a:p>
-            <a:pPr>
-              <a:buFont typeface="Wingdings" pitchFamily="2" charset="2"/>
-              <a:buChar char="Ø"/>
-            </a:pPr>
-            <a:r>
-              <a:rPr lang="en-US" altLang="ko-KR" sz="2800" dirty="0"/>
-              <a:t>There is no divergence</a:t>
-            </a:r>
-          </a:p>
-          <a:p>
-            <a:pPr>
-              <a:buFont typeface="Wingdings" pitchFamily="2" charset="2"/>
-              <a:buChar char="Ø"/>
-            </a:pPr>
-            <a:r>
-              <a:rPr lang="en-US" altLang="ko-KR" sz="2800" dirty="0"/>
-              <a:t>Only half of the warp execute the reduction at the first round.</a:t>
-            </a:r>
-          </a:p>
-          <a:p>
-            <a:pPr>
-              <a:buFont typeface="Wingdings" pitchFamily="2" charset="2"/>
-              <a:buChar char="Ø"/>
-            </a:pPr>
-            <a:r>
-              <a:rPr lang="en-US" altLang="ko-KR" sz="2800" dirty="0"/>
-              <a:t>At the second round, ¼ of the warp execute and the others do nothing.</a:t>
-            </a:r>
-          </a:p>
-          <a:p>
-            <a:pPr marL="0" indent="0">
-              <a:buNone/>
-            </a:pPr>
-            <a:endParaRPr lang="en-US" altLang="ko-KR" sz="2400" dirty="0"/>
-          </a:p>
-        </p:txBody>
-      </p:sp>
-    </p:spTree>
-    <p:extLst>
-      <p:ext uri="{BB962C8B-B14F-4D97-AF65-F5344CB8AC3E}">
-        <p14:creationId xmlns:p14="http://schemas.microsoft.com/office/powerpoint/2010/main" val="4048634009"/>
-      </p:ext>
-    </p:extLst>
-  </p:cSld>
-  <p:clrMapOvr>
-    <a:masterClrMapping/>
-  </p:clrMapOvr>
-</p:sld>
-</file>
-
 <file path=ppt/slides/slide16.xml><?xml version="1.0" encoding="utf-8"?>
 <p:sld xmlns:a="http://schemas.openxmlformats.org/drawingml/2006/main" xmlns:r="http://schemas.openxmlformats.org/officeDocument/2006/relationships" xmlns:p="http://schemas.openxmlformats.org/presentationml/2006/main">
   <p:cSld>
@@ -7889,6 +7902,106 @@
       </p:grpSpPr>
       <p:sp>
         <p:nvSpPr>
+          <p:cNvPr id="3" name="내용 개체 틀 2"/>
+          <p:cNvSpPr>
+            <a:spLocks noGrp="1"/>
+          </p:cNvSpPr>
+          <p:nvPr>
+            <p:ph idx="1"/>
+          </p:nvPr>
+        </p:nvSpPr>
+        <p:spPr/>
+        <p:txBody>
+          <a:bodyPr/>
+          <a:lstStyle/>
+          <a:p>
+            <a:pPr>
+              <a:buFont typeface="Wingdings" pitchFamily="2" charset="2"/>
+              <a:buChar char="Ø"/>
+            </a:pPr>
+            <a:r>
+              <a:rPr lang="en-US" altLang="ko-KR" sz="2800" dirty="0"/>
+              <a:t>There is no divergence</a:t>
+            </a:r>
+          </a:p>
+          <a:p>
+            <a:pPr>
+              <a:buFont typeface="Wingdings" pitchFamily="2" charset="2"/>
+              <a:buChar char="Ø"/>
+            </a:pPr>
+            <a:r>
+              <a:rPr lang="en-US" altLang="ko-KR" sz="2800" dirty="0"/>
+              <a:t>Only half of the warp execute the reduction at the first round.</a:t>
+            </a:r>
+          </a:p>
+          <a:p>
+            <a:pPr>
+              <a:buFont typeface="Wingdings" pitchFamily="2" charset="2"/>
+              <a:buChar char="Ø"/>
+            </a:pPr>
+            <a:r>
+              <a:rPr lang="en-US" altLang="ko-KR" sz="2800" dirty="0"/>
+              <a:t>At the second round, ¼ of the warp execute and the others do nothing.</a:t>
+            </a:r>
+          </a:p>
+          <a:p>
+            <a:pPr>
+              <a:buFont typeface="Wingdings" pitchFamily="2" charset="2"/>
+              <a:buChar char="Ø"/>
+            </a:pPr>
+            <a:r>
+              <a:rPr lang="en-US" altLang="ko-KR" dirty="0"/>
+              <a:t>Divergence only occurs in the last 5 rounds when the total number of threads at each round is less than the warp size</a:t>
+            </a:r>
+            <a:r>
+              <a:rPr lang="en-US" altLang="ko-KR" sz="2800" dirty="0"/>
+              <a:t> </a:t>
+            </a:r>
+            <a:br>
+              <a:rPr lang="en-US" altLang="ko-KR" sz="2800" dirty="0"/>
+            </a:br>
+            <a:endParaRPr lang="en-US" altLang="ko-KR" sz="2800" dirty="0"/>
+          </a:p>
+          <a:p>
+            <a:pPr marL="0" indent="0">
+              <a:buNone/>
+            </a:pPr>
+            <a:endParaRPr lang="en-US" altLang="ko-KR" sz="2400" dirty="0"/>
+          </a:p>
+        </p:txBody>
+      </p:sp>
+    </p:spTree>
+    <p:extLst>
+      <p:ext uri="{BB962C8B-B14F-4D97-AF65-F5344CB8AC3E}">
+        <p14:creationId xmlns:p14="http://schemas.microsoft.com/office/powerpoint/2010/main" val="4048634009"/>
+      </p:ext>
+    </p:extLst>
+  </p:cSld>
+  <p:clrMapOvr>
+    <a:masterClrMapping/>
+  </p:clrMapOvr>
+</p:sld>
+</file>
+
+<file path=ppt/slides/slide17.xml><?xml version="1.0" encoding="utf-8"?>
+<p:sld xmlns:a="http://schemas.openxmlformats.org/drawingml/2006/main" xmlns:r="http://schemas.openxmlformats.org/officeDocument/2006/relationships" xmlns:p="http://schemas.openxmlformats.org/presentationml/2006/main">
+  <p:cSld>
+    <p:spTree>
+      <p:nvGrpSpPr>
+        <p:cNvPr id="1" name=""/>
+        <p:cNvGrpSpPr/>
+        <p:nvPr/>
+      </p:nvGrpSpPr>
+      <p:grpSpPr>
+        <a:xfrm>
+          <a:off x="0" y="0"/>
+          <a:ext cx="0" cy="0"/>
+          <a:chOff x="0" y="0"/>
+          <a:chExt cx="0" cy="0"/>
+        </a:xfrm>
+      </p:grpSpPr>
+      <p:sp>
+        <p:nvSpPr>
           <p:cNvPr id="2" name="제목 1"/>
           <p:cNvSpPr>
             <a:spLocks noGrp="1"/>
@@ -7906,25 +8019,6 @@
               <a:rPr lang="en-US" altLang="ko-KR" dirty="0"/>
               <a:t>Performance</a:t>
             </a:r>
-            <a:endParaRPr lang="ko-KR" altLang="en-US" dirty="0"/>
-          </a:p>
-        </p:txBody>
-      </p:sp>
-      <p:sp>
-        <p:nvSpPr>
-          <p:cNvPr id="3" name="내용 개체 틀 2"/>
-          <p:cNvSpPr>
-            <a:spLocks noGrp="1"/>
-          </p:cNvSpPr>
-          <p:nvPr>
-            <p:ph idx="1"/>
-          </p:nvPr>
-        </p:nvSpPr>
-        <p:spPr/>
-        <p:txBody>
-          <a:bodyPr/>
-          <a:lstStyle/>
-          <a:p>
             <a:endParaRPr lang="ko-KR" altLang="en-US" dirty="0"/>
           </a:p>
         </p:txBody>
@@ -8048,141 +8142,6 @@
 </p:sld>
 </file>
 
-<file path=ppt/slides/slide17.xml><?xml version="1.0" encoding="utf-8"?>
-<p:sld xmlns:a="http://schemas.openxmlformats.org/drawingml/2006/main" xmlns:r="http://schemas.openxmlformats.org/officeDocument/2006/relationships" xmlns:p="http://schemas.openxmlformats.org/presentationml/2006/main">
-  <p:cSld>
-    <p:spTree>
-      <p:nvGrpSpPr>
-        <p:cNvPr id="1" name=""/>
-        <p:cNvGrpSpPr/>
-        <p:nvPr/>
-      </p:nvGrpSpPr>
-      <p:grpSpPr>
-        <a:xfrm>
-          <a:off x="0" y="0"/>
-          <a:ext cx="0" cy="0"/>
-          <a:chOff x="0" y="0"/>
-          <a:chExt cx="0" cy="0"/>
-        </a:xfrm>
-      </p:grpSpPr>
-      <p:sp>
-        <p:nvSpPr>
-          <p:cNvPr id="2" name="제목 1"/>
-          <p:cNvSpPr>
-            <a:spLocks noGrp="1"/>
-          </p:cNvSpPr>
-          <p:nvPr>
-            <p:ph type="title"/>
-          </p:nvPr>
-        </p:nvSpPr>
-        <p:spPr/>
-        <p:txBody>
-          <a:bodyPr/>
-          <a:lstStyle/>
-          <a:p>
-            <a:r>
-              <a:rPr lang="en-US" altLang="ko-KR" sz="3600" dirty="0"/>
-              <a:t>Step3:Reducing with Sequential Addressing</a:t>
-            </a:r>
-            <a:endParaRPr lang="ko-KR" altLang="en-US" sz="3600" dirty="0"/>
-          </a:p>
-        </p:txBody>
-      </p:sp>
-      <p:sp>
-        <p:nvSpPr>
-          <p:cNvPr id="3" name="내용 개체 틀 2"/>
-          <p:cNvSpPr>
-            <a:spLocks noGrp="1"/>
-          </p:cNvSpPr>
-          <p:nvPr>
-            <p:ph idx="1"/>
-          </p:nvPr>
-        </p:nvSpPr>
-        <p:spPr/>
-        <p:txBody>
-          <a:bodyPr/>
-          <a:lstStyle/>
-          <a:p>
-            <a:r>
-              <a:rPr lang="en-US" altLang="ko-KR" dirty="0"/>
-              <a:t>instead of </a:t>
-            </a:r>
-          </a:p>
-          <a:p>
-            <a:pPr marL="0" indent="0">
-              <a:buNone/>
-            </a:pPr>
-            <a:r>
-              <a:rPr lang="en-US" altLang="ko-KR" dirty="0"/>
-              <a:t>         </a:t>
-            </a:r>
-            <a:r>
-              <a:rPr lang="en-US" altLang="ko-KR" dirty="0" err="1"/>
-              <a:t>int</a:t>
-            </a:r>
-            <a:r>
-              <a:rPr lang="en-US" altLang="ko-KR" dirty="0"/>
-              <a:t> index=2*stride*</a:t>
-            </a:r>
-            <a:r>
-              <a:rPr lang="en-US" altLang="ko-KR" dirty="0" err="1"/>
-              <a:t>tid</a:t>
-            </a:r>
-            <a:r>
-              <a:rPr lang="en-US" altLang="ko-KR" dirty="0"/>
-              <a:t>;</a:t>
-            </a:r>
-          </a:p>
-          <a:p>
-            <a:pPr marL="0" indent="0">
-              <a:buNone/>
-            </a:pPr>
-            <a:r>
-              <a:rPr lang="en-US" altLang="ko-KR" dirty="0"/>
-              <a:t>	, replace it with</a:t>
-            </a:r>
-          </a:p>
-          <a:p>
-            <a:pPr marL="0" indent="0">
-              <a:buNone/>
-            </a:pPr>
-            <a:r>
-              <a:rPr lang="en-US" altLang="ko-KR" dirty="0"/>
-              <a:t>         for(</a:t>
-            </a:r>
-            <a:r>
-              <a:rPr lang="en-US" altLang="ko-KR" dirty="0" err="1"/>
-              <a:t>int</a:t>
-            </a:r>
-            <a:r>
-              <a:rPr lang="en-US" altLang="ko-KR" dirty="0"/>
-              <a:t> stride=</a:t>
-            </a:r>
-            <a:r>
-              <a:rPr lang="en-US" altLang="ko-KR" dirty="0" err="1"/>
-              <a:t>blockDim.x</a:t>
-            </a:r>
-            <a:r>
-              <a:rPr lang="en-US" altLang="ko-KR" dirty="0"/>
-              <a:t>/2; stride &gt;0; stride&gt;&gt;=1){   }.</a:t>
-            </a:r>
-            <a:endParaRPr lang="ko-KR" altLang="en-US" dirty="0"/>
-          </a:p>
-        </p:txBody>
-      </p:sp>
-    </p:spTree>
-    <p:extLst>
-      <p:ext uri="{BB962C8B-B14F-4D97-AF65-F5344CB8AC3E}">
-        <p14:creationId xmlns:p14="http://schemas.microsoft.com/office/powerpoint/2010/main" val="3001651539"/>
-      </p:ext>
-    </p:extLst>
-  </p:cSld>
-  <p:clrMapOvr>
-    <a:masterClrMapping/>
-  </p:clrMapOvr>
-</p:sld>
-</file>
-
 <file path=ppt/slides/slide18.xml><?xml version="1.0" encoding="utf-8"?>
 <p:sld xmlns:a="http://schemas.openxmlformats.org/drawingml/2006/main" xmlns:r="http://schemas.openxmlformats.org/officeDocument/2006/relationships" xmlns:p="http://schemas.openxmlformats.org/presentationml/2006/main">
   <p:cSld>
@@ -8217,7 +8176,7 @@
           <a:p>
             <a:r>
               <a:rPr lang="en-US" altLang="ko-KR" sz="3600" dirty="0"/>
-              <a:t>Parallel Reduction with Seq. Addressing</a:t>
+              <a:t>Step3:Reducing with Sequential Addressing</a:t>
             </a:r>
             <a:endParaRPr lang="ko-KR" altLang="en-US" sz="3600" dirty="0"/>
           </a:p>
@@ -8238,7 +8197,123 @@
           <a:bodyPr/>
           <a:lstStyle/>
           <a:p>
-            <a:endParaRPr lang="ko-KR" altLang="en-US"/>
+            <a:r>
+              <a:rPr lang="en-US" altLang="ko-KR" dirty="0"/>
+              <a:t>instead of </a:t>
+            </a:r>
+          </a:p>
+          <a:p>
+            <a:pPr marL="0" indent="0">
+              <a:buNone/>
+            </a:pPr>
+            <a:r>
+              <a:rPr lang="en-US" altLang="ko-KR" dirty="0"/>
+              <a:t>         </a:t>
+            </a:r>
+            <a:r>
+              <a:rPr lang="en-US" altLang="ko-KR" dirty="0" err="1"/>
+              <a:t>int</a:t>
+            </a:r>
+            <a:r>
+              <a:rPr lang="en-US" altLang="ko-KR" dirty="0"/>
+              <a:t> index=2*stride*</a:t>
+            </a:r>
+            <a:r>
+              <a:rPr lang="en-US" altLang="ko-KR" dirty="0" err="1"/>
+              <a:t>tid</a:t>
+            </a:r>
+            <a:r>
+              <a:rPr lang="en-US" altLang="ko-KR" dirty="0"/>
+              <a:t>;</a:t>
+            </a:r>
+          </a:p>
+          <a:p>
+            <a:pPr marL="0" indent="0">
+              <a:buNone/>
+            </a:pPr>
+            <a:r>
+              <a:rPr lang="en-US" altLang="ko-KR" dirty="0"/>
+              <a:t>	, replace it with</a:t>
+            </a:r>
+          </a:p>
+          <a:p>
+            <a:pPr marL="0" indent="0">
+              <a:buNone/>
+            </a:pPr>
+            <a:r>
+              <a:rPr lang="en-US" altLang="ko-KR" dirty="0"/>
+              <a:t>         for(</a:t>
+            </a:r>
+            <a:r>
+              <a:rPr lang="en-US" altLang="ko-KR" dirty="0" err="1"/>
+              <a:t>int</a:t>
+            </a:r>
+            <a:r>
+              <a:rPr lang="en-US" altLang="ko-KR" dirty="0"/>
+              <a:t> stride=</a:t>
+            </a:r>
+            <a:r>
+              <a:rPr lang="en-US" altLang="ko-KR" dirty="0" err="1"/>
+              <a:t>blockDim.x</a:t>
+            </a:r>
+            <a:r>
+              <a:rPr lang="en-US" altLang="ko-KR" dirty="0"/>
+              <a:t>/2; stride &gt;0; stride&gt;&gt;=1){   }.</a:t>
+            </a:r>
+            <a:endParaRPr lang="ko-KR" altLang="en-US" dirty="0"/>
+          </a:p>
+        </p:txBody>
+      </p:sp>
+    </p:spTree>
+    <p:extLst>
+      <p:ext uri="{BB962C8B-B14F-4D97-AF65-F5344CB8AC3E}">
+        <p14:creationId xmlns:p14="http://schemas.microsoft.com/office/powerpoint/2010/main" val="3001651539"/>
+      </p:ext>
+    </p:extLst>
+  </p:cSld>
+  <p:clrMapOvr>
+    <a:masterClrMapping/>
+  </p:clrMapOvr>
+</p:sld>
+</file>
+
+<file path=ppt/slides/slide19.xml><?xml version="1.0" encoding="utf-8"?>
+<p:sld xmlns:a="http://schemas.openxmlformats.org/drawingml/2006/main" xmlns:r="http://schemas.openxmlformats.org/officeDocument/2006/relationships" xmlns:p="http://schemas.openxmlformats.org/presentationml/2006/main">
+  <p:cSld>
+    <p:spTree>
+      <p:nvGrpSpPr>
+        <p:cNvPr id="1" name=""/>
+        <p:cNvGrpSpPr/>
+        <p:nvPr/>
+      </p:nvGrpSpPr>
+      <p:grpSpPr>
+        <a:xfrm>
+          <a:off x="0" y="0"/>
+          <a:ext cx="0" cy="0"/>
+          <a:chOff x="0" y="0"/>
+          <a:chExt cx="0" cy="0"/>
+        </a:xfrm>
+      </p:grpSpPr>
+      <p:sp>
+        <p:nvSpPr>
+          <p:cNvPr id="2" name="제목 1"/>
+          <p:cNvSpPr>
+            <a:spLocks noGrp="1"/>
+          </p:cNvSpPr>
+          <p:nvPr>
+            <p:ph type="title"/>
+          </p:nvPr>
+        </p:nvSpPr>
+        <p:spPr/>
+        <p:txBody>
+          <a:bodyPr/>
+          <a:lstStyle/>
+          <a:p>
+            <a:r>
+              <a:rPr lang="en-US" altLang="ko-KR" sz="3600" dirty="0"/>
+              <a:t>Parallel Reduction with Seq. Addressing</a:t>
+            </a:r>
+            <a:endParaRPr lang="ko-KR" altLang="en-US" sz="3600" dirty="0"/>
           </a:p>
         </p:txBody>
       </p:sp>
@@ -8438,207 +8513,6 @@
     <p:extLst>
       <p:ext uri="{BB962C8B-B14F-4D97-AF65-F5344CB8AC3E}">
         <p14:creationId xmlns:p14="http://schemas.microsoft.com/office/powerpoint/2010/main" val="1802504452"/>
-      </p:ext>
-    </p:extLst>
-  </p:cSld>
-  <p:clrMapOvr>
-    <a:masterClrMapping/>
-  </p:clrMapOvr>
-</p:sld>
-</file>
-
-<file path=ppt/slides/slide19.xml><?xml version="1.0" encoding="utf-8"?>
-<p:sld xmlns:a="http://schemas.openxmlformats.org/drawingml/2006/main" xmlns:r="http://schemas.openxmlformats.org/officeDocument/2006/relationships" xmlns:p="http://schemas.openxmlformats.org/presentationml/2006/main">
-  <p:cSld>
-    <p:spTree>
-      <p:nvGrpSpPr>
-        <p:cNvPr id="1" name=""/>
-        <p:cNvGrpSpPr/>
-        <p:nvPr/>
-      </p:nvGrpSpPr>
-      <p:grpSpPr>
-        <a:xfrm>
-          <a:off x="0" y="0"/>
-          <a:ext cx="0" cy="0"/>
-          <a:chOff x="0" y="0"/>
-          <a:chExt cx="0" cy="0"/>
-        </a:xfrm>
-      </p:grpSpPr>
-      <p:sp>
-        <p:nvSpPr>
-          <p:cNvPr id="2" name="제목 1"/>
-          <p:cNvSpPr>
-            <a:spLocks noGrp="1"/>
-          </p:cNvSpPr>
-          <p:nvPr>
-            <p:ph type="title"/>
-          </p:nvPr>
-        </p:nvSpPr>
-        <p:spPr/>
-        <p:txBody>
-          <a:bodyPr/>
-          <a:lstStyle/>
-          <a:p>
-            <a:endParaRPr lang="ko-KR" altLang="en-US"/>
-          </a:p>
-        </p:txBody>
-      </p:sp>
-      <p:pic>
-        <p:nvPicPr>
-          <p:cNvPr id="4098" name="Picture 2"/>
-          <p:cNvPicPr>
-            <a:picLocks noGrp="1" noChangeAspect="1" noChangeArrowheads="1"/>
-          </p:cNvPicPr>
-          <p:nvPr>
-            <p:ph idx="1"/>
-          </p:nvPr>
-        </p:nvPicPr>
-        <p:blipFill>
-          <a:blip r:embed="rId2">
-            <a:extLst>
-              <a:ext uri="{28A0092B-C50C-407E-A947-70E740481C1C}">
-                <a14:useLocalDpi xmlns:a14="http://schemas.microsoft.com/office/drawing/2010/main" val="0"/>
-              </a:ext>
-            </a:extLst>
-          </a:blip>
-          <a:srcRect/>
-          <a:stretch>
-            <a:fillRect/>
-          </a:stretch>
-        </p:blipFill>
-        <p:spPr bwMode="auto">
-          <a:xfrm>
-            <a:off x="755575" y="1268761"/>
-            <a:ext cx="8021441" cy="1872208"/>
-          </a:xfrm>
-          <a:prstGeom prst="rect">
-            <a:avLst/>
-          </a:prstGeom>
-          <a:noFill/>
-          <a:ln>
-            <a:noFill/>
-          </a:ln>
-          <a:extLst>
-            <a:ext uri="{909E8E84-426E-40DD-AFC4-6F175D3DCCD1}">
-              <a14:hiddenFill xmlns:a14="http://schemas.microsoft.com/office/drawing/2010/main">
-                <a:solidFill>
-                  <a:schemeClr val="accent1"/>
-                </a:solidFill>
-              </a14:hiddenFill>
-            </a:ext>
-            <a:ext uri="{91240B29-F687-4F45-9708-019B960494DF}">
-              <a14:hiddenLine xmlns:a14="http://schemas.microsoft.com/office/drawing/2010/main" w="9525">
-                <a:solidFill>
-                  <a:schemeClr val="tx1"/>
-                </a:solidFill>
-                <a:miter lim="800000"/>
-                <a:headEnd/>
-                <a:tailEnd/>
-              </a14:hiddenLine>
-            </a:ext>
-          </a:extLst>
-        </p:spPr>
-      </p:pic>
-      <p:pic>
-        <p:nvPicPr>
-          <p:cNvPr id="4099" name="Picture 3"/>
-          <p:cNvPicPr>
-            <a:picLocks noChangeAspect="1" noChangeArrowheads="1"/>
-          </p:cNvPicPr>
-          <p:nvPr/>
-        </p:nvPicPr>
-        <p:blipFill>
-          <a:blip r:embed="rId3">
-            <a:extLst>
-              <a:ext uri="{28A0092B-C50C-407E-A947-70E740481C1C}">
-                <a14:useLocalDpi xmlns:a14="http://schemas.microsoft.com/office/drawing/2010/main" val="0"/>
-              </a:ext>
-            </a:extLst>
-          </a:blip>
-          <a:srcRect/>
-          <a:stretch>
-            <a:fillRect/>
-          </a:stretch>
-        </p:blipFill>
-        <p:spPr bwMode="auto">
-          <a:xfrm>
-            <a:off x="1187624" y="3068960"/>
-            <a:ext cx="6844255" cy="3168352"/>
-          </a:xfrm>
-          <a:prstGeom prst="rect">
-            <a:avLst/>
-          </a:prstGeom>
-          <a:noFill/>
-          <a:ln>
-            <a:noFill/>
-          </a:ln>
-          <a:extLst>
-            <a:ext uri="{909E8E84-426E-40DD-AFC4-6F175D3DCCD1}">
-              <a14:hiddenFill xmlns:a14="http://schemas.microsoft.com/office/drawing/2010/main">
-                <a:solidFill>
-                  <a:schemeClr val="accent1"/>
-                </a:solidFill>
-              </a14:hiddenFill>
-            </a:ext>
-            <a:ext uri="{91240B29-F687-4F45-9708-019B960494DF}">
-              <a14:hiddenLine xmlns:a14="http://schemas.microsoft.com/office/drawing/2010/main" w="9525">
-                <a:solidFill>
-                  <a:schemeClr val="tx1"/>
-                </a:solidFill>
-                <a:miter lim="800000"/>
-                <a:headEnd/>
-                <a:tailEnd/>
-              </a14:hiddenLine>
-            </a:ext>
-          </a:extLst>
-        </p:spPr>
-      </p:pic>
-      <p:sp>
-        <p:nvSpPr>
-          <p:cNvPr id="3" name="직사각형 2"/>
-          <p:cNvSpPr/>
-          <p:nvPr/>
-        </p:nvSpPr>
-        <p:spPr>
-          <a:xfrm>
-            <a:off x="1475656" y="3789040"/>
-            <a:ext cx="6120680" cy="1080120"/>
-          </a:xfrm>
-          <a:prstGeom prst="rect">
-            <a:avLst/>
-          </a:prstGeom>
-          <a:noFill/>
-          <a:ln w="57150"/>
-        </p:spPr>
-        <p:style>
-          <a:lnRef idx="2">
-            <a:schemeClr val="accent1">
-              <a:shade val="50000"/>
-            </a:schemeClr>
-          </a:lnRef>
-          <a:fillRef idx="1">
-            <a:schemeClr val="accent1"/>
-          </a:fillRef>
-          <a:effectRef idx="0">
-            <a:schemeClr val="accent1"/>
-          </a:effectRef>
-          <a:fontRef idx="minor">
-            <a:schemeClr val="lt1"/>
-          </a:fontRef>
-        </p:style>
-        <p:txBody>
-          <a:bodyPr rtlCol="0" anchor="ctr"/>
-          <a:lstStyle/>
-          <a:p>
-            <a:pPr algn="ctr"/>
-            <a:endParaRPr lang="ko-KR" altLang="en-US"/>
-          </a:p>
-        </p:txBody>
-      </p:sp>
-    </p:spTree>
-    <p:extLst>
-      <p:ext uri="{BB962C8B-B14F-4D97-AF65-F5344CB8AC3E}">
-        <p14:creationId xmlns:p14="http://schemas.microsoft.com/office/powerpoint/2010/main" val="2815329472"/>
       </p:ext>
     </p:extLst>
   </p:cSld>
@@ -8871,6 +8745,188 @@
           <a:chExt cx="0" cy="0"/>
         </a:xfrm>
       </p:grpSpPr>
+      <p:pic>
+        <p:nvPicPr>
+          <p:cNvPr id="4098" name="Picture 2"/>
+          <p:cNvPicPr>
+            <a:picLocks noGrp="1" noChangeAspect="1" noChangeArrowheads="1"/>
+          </p:cNvPicPr>
+          <p:nvPr>
+            <p:ph idx="1"/>
+          </p:nvPr>
+        </p:nvPicPr>
+        <p:blipFill>
+          <a:blip r:embed="rId2">
+            <a:extLst>
+              <a:ext uri="{28A0092B-C50C-407E-A947-70E740481C1C}">
+                <a14:useLocalDpi xmlns:a14="http://schemas.microsoft.com/office/drawing/2010/main" val="0"/>
+              </a:ext>
+            </a:extLst>
+          </a:blip>
+          <a:srcRect/>
+          <a:stretch>
+            <a:fillRect/>
+          </a:stretch>
+        </p:blipFill>
+        <p:spPr bwMode="auto">
+          <a:xfrm>
+            <a:off x="755575" y="1268761"/>
+            <a:ext cx="8021441" cy="1872208"/>
+          </a:xfrm>
+          <a:prstGeom prst="rect">
+            <a:avLst/>
+          </a:prstGeom>
+          <a:noFill/>
+          <a:ln>
+            <a:noFill/>
+          </a:ln>
+          <a:extLst>
+            <a:ext uri="{909E8E84-426E-40DD-AFC4-6F175D3DCCD1}">
+              <a14:hiddenFill xmlns:a14="http://schemas.microsoft.com/office/drawing/2010/main">
+                <a:solidFill>
+                  <a:schemeClr val="accent1"/>
+                </a:solidFill>
+              </a14:hiddenFill>
+            </a:ext>
+            <a:ext uri="{91240B29-F687-4F45-9708-019B960494DF}">
+              <a14:hiddenLine xmlns:a14="http://schemas.microsoft.com/office/drawing/2010/main" w="9525">
+                <a:solidFill>
+                  <a:schemeClr val="tx1"/>
+                </a:solidFill>
+                <a:miter lim="800000"/>
+                <a:headEnd/>
+                <a:tailEnd/>
+              </a14:hiddenLine>
+            </a:ext>
+          </a:extLst>
+        </p:spPr>
+      </p:pic>
+      <p:pic>
+        <p:nvPicPr>
+          <p:cNvPr id="4099" name="Picture 3"/>
+          <p:cNvPicPr>
+            <a:picLocks noChangeAspect="1" noChangeArrowheads="1"/>
+          </p:cNvPicPr>
+          <p:nvPr/>
+        </p:nvPicPr>
+        <p:blipFill>
+          <a:blip r:embed="rId3">
+            <a:extLst>
+              <a:ext uri="{28A0092B-C50C-407E-A947-70E740481C1C}">
+                <a14:useLocalDpi xmlns:a14="http://schemas.microsoft.com/office/drawing/2010/main" val="0"/>
+              </a:ext>
+            </a:extLst>
+          </a:blip>
+          <a:srcRect/>
+          <a:stretch>
+            <a:fillRect/>
+          </a:stretch>
+        </p:blipFill>
+        <p:spPr bwMode="auto">
+          <a:xfrm>
+            <a:off x="1187624" y="3068960"/>
+            <a:ext cx="6844255" cy="3168352"/>
+          </a:xfrm>
+          <a:prstGeom prst="rect">
+            <a:avLst/>
+          </a:prstGeom>
+          <a:noFill/>
+          <a:ln>
+            <a:noFill/>
+          </a:ln>
+          <a:extLst>
+            <a:ext uri="{909E8E84-426E-40DD-AFC4-6F175D3DCCD1}">
+              <a14:hiddenFill xmlns:a14="http://schemas.microsoft.com/office/drawing/2010/main">
+                <a:solidFill>
+                  <a:schemeClr val="accent1"/>
+                </a:solidFill>
+              </a14:hiddenFill>
+            </a:ext>
+            <a:ext uri="{91240B29-F687-4F45-9708-019B960494DF}">
+              <a14:hiddenLine xmlns:a14="http://schemas.microsoft.com/office/drawing/2010/main" w="9525">
+                <a:solidFill>
+                  <a:schemeClr val="tx1"/>
+                </a:solidFill>
+                <a:miter lim="800000"/>
+                <a:headEnd/>
+                <a:tailEnd/>
+              </a14:hiddenLine>
+            </a:ext>
+          </a:extLst>
+        </p:spPr>
+      </p:pic>
+      <p:sp>
+        <p:nvSpPr>
+          <p:cNvPr id="3" name="직사각형 2"/>
+          <p:cNvSpPr/>
+          <p:nvPr/>
+        </p:nvSpPr>
+        <p:spPr>
+          <a:xfrm>
+            <a:off x="1475656" y="3789040"/>
+            <a:ext cx="6120680" cy="1080120"/>
+          </a:xfrm>
+          <a:prstGeom prst="rect">
+            <a:avLst/>
+          </a:prstGeom>
+          <a:noFill/>
+          <a:ln w="57150"/>
+        </p:spPr>
+        <p:style>
+          <a:lnRef idx="2">
+            <a:schemeClr val="accent1">
+              <a:shade val="50000"/>
+            </a:schemeClr>
+          </a:lnRef>
+          <a:fillRef idx="1">
+            <a:schemeClr val="accent1"/>
+          </a:fillRef>
+          <a:effectRef idx="0">
+            <a:schemeClr val="accent1"/>
+          </a:effectRef>
+          <a:fontRef idx="minor">
+            <a:schemeClr val="lt1"/>
+          </a:fontRef>
+        </p:style>
+        <p:txBody>
+          <a:bodyPr rtlCol="0" anchor="ctr"/>
+          <a:lstStyle/>
+          <a:p>
+            <a:pPr algn="ctr"/>
+            <a:endParaRPr lang="ko-KR" altLang="en-US"/>
+          </a:p>
+        </p:txBody>
+      </p:sp>
+    </p:spTree>
+    <p:extLst>
+      <p:ext uri="{BB962C8B-B14F-4D97-AF65-F5344CB8AC3E}">
+        <p14:creationId xmlns:p14="http://schemas.microsoft.com/office/powerpoint/2010/main" val="2815329472"/>
+      </p:ext>
+    </p:extLst>
+  </p:cSld>
+  <p:clrMapOvr>
+    <a:masterClrMapping/>
+  </p:clrMapOvr>
+</p:sld>
+</file>
+
+<file path=ppt/slides/slide21.xml><?xml version="1.0" encoding="utf-8"?>
+<p:sld xmlns:a="http://schemas.openxmlformats.org/drawingml/2006/main" xmlns:r="http://schemas.openxmlformats.org/officeDocument/2006/relationships" xmlns:p="http://schemas.openxmlformats.org/presentationml/2006/main">
+  <p:cSld>
+    <p:spTree>
+      <p:nvGrpSpPr>
+        <p:cNvPr id="1" name=""/>
+        <p:cNvGrpSpPr/>
+        <p:nvPr/>
+      </p:nvGrpSpPr>
+      <p:grpSpPr>
+        <a:xfrm>
+          <a:off x="0" y="0"/>
+          <a:ext cx="0" cy="0"/>
+          <a:chOff x="0" y="0"/>
+          <a:chExt cx="0" cy="0"/>
+        </a:xfrm>
+      </p:grpSpPr>
       <p:sp>
         <p:nvSpPr>
           <p:cNvPr id="2" name="제목 1"/>
@@ -8890,25 +8946,6 @@
               <a:rPr lang="en-US" altLang="ko-KR" dirty="0"/>
               <a:t>Performance</a:t>
             </a:r>
-            <a:endParaRPr lang="ko-KR" altLang="en-US" dirty="0"/>
-          </a:p>
-        </p:txBody>
-      </p:sp>
-      <p:sp>
-        <p:nvSpPr>
-          <p:cNvPr id="3" name="내용 개체 틀 2"/>
-          <p:cNvSpPr>
-            <a:spLocks noGrp="1"/>
-          </p:cNvSpPr>
-          <p:nvPr>
-            <p:ph idx="1"/>
-          </p:nvPr>
-        </p:nvSpPr>
-        <p:spPr/>
-        <p:txBody>
-          <a:bodyPr/>
-          <a:lstStyle/>
-          <a:p>
             <a:endParaRPr lang="ko-KR" altLang="en-US" dirty="0"/>
           </a:p>
         </p:txBody>
@@ -9036,96 +9073,6 @@
 </p:sld>
 </file>
 
-<file path=ppt/slides/slide21.xml><?xml version="1.0" encoding="utf-8"?>
-<p:sld xmlns:a="http://schemas.openxmlformats.org/drawingml/2006/main" xmlns:r="http://schemas.openxmlformats.org/officeDocument/2006/relationships" xmlns:p="http://schemas.openxmlformats.org/presentationml/2006/main">
-  <p:cSld>
-    <p:spTree>
-      <p:nvGrpSpPr>
-        <p:cNvPr id="1" name=""/>
-        <p:cNvGrpSpPr/>
-        <p:nvPr/>
-      </p:nvGrpSpPr>
-      <p:grpSpPr>
-        <a:xfrm>
-          <a:off x="0" y="0"/>
-          <a:ext cx="0" cy="0"/>
-          <a:chOff x="0" y="0"/>
-          <a:chExt cx="0" cy="0"/>
-        </a:xfrm>
-      </p:grpSpPr>
-      <p:sp>
-        <p:nvSpPr>
-          <p:cNvPr id="2" name="제목 1"/>
-          <p:cNvSpPr>
-            <a:spLocks noGrp="1"/>
-          </p:cNvSpPr>
-          <p:nvPr>
-            <p:ph type="title"/>
-          </p:nvPr>
-        </p:nvSpPr>
-        <p:spPr/>
-        <p:txBody>
-          <a:bodyPr/>
-          <a:lstStyle/>
-          <a:p>
-            <a:endParaRPr lang="ko-KR" altLang="en-US" dirty="0"/>
-          </a:p>
-        </p:txBody>
-      </p:sp>
-      <p:sp>
-        <p:nvSpPr>
-          <p:cNvPr id="3" name="내용 개체 틀 2"/>
-          <p:cNvSpPr>
-            <a:spLocks noGrp="1"/>
-          </p:cNvSpPr>
-          <p:nvPr>
-            <p:ph idx="1"/>
-          </p:nvPr>
-        </p:nvSpPr>
-        <p:spPr/>
-        <p:txBody>
-          <a:bodyPr/>
-          <a:lstStyle/>
-          <a:p>
-            <a:r>
-              <a:rPr lang="en-US" altLang="ko-KR" dirty="0"/>
-              <a:t>The major improvement of performance comes from the memory read and write patterns of global memory.</a:t>
-            </a:r>
-          </a:p>
-          <a:p>
-            <a:r>
-              <a:rPr lang="en-US" altLang="ko-KR" dirty="0"/>
-              <a:t>The interleaved reduction is 1.69 times faster than the step 2 implementation. Why?</a:t>
-            </a:r>
-          </a:p>
-          <a:p>
-            <a:pPr marL="0" indent="0">
-              <a:buNone/>
-            </a:pPr>
-            <a:r>
-              <a:rPr lang="en-US" altLang="ko-KR" dirty="0"/>
-              <a:t>   - coalesced cache access !</a:t>
-            </a:r>
-            <a:endParaRPr lang="ko-KR" altLang="en-US" dirty="0"/>
-          </a:p>
-          <a:p>
-            <a:endParaRPr lang="ko-KR" altLang="en-US" dirty="0"/>
-          </a:p>
-        </p:txBody>
-      </p:sp>
-    </p:spTree>
-    <p:extLst>
-      <p:ext uri="{BB962C8B-B14F-4D97-AF65-F5344CB8AC3E}">
-        <p14:creationId xmlns:p14="http://schemas.microsoft.com/office/powerpoint/2010/main" val="177882491"/>
-      </p:ext>
-    </p:extLst>
-  </p:cSld>
-  <p:clrMapOvr>
-    <a:masterClrMapping/>
-  </p:clrMapOvr>
-</p:sld>
-</file>
-
 <file path=ppt/slides/slide22.xml><?xml version="1.0" encoding="utf-8"?>
 <p:sld xmlns:a="http://schemas.openxmlformats.org/drawingml/2006/main" xmlns:r="http://schemas.openxmlformats.org/officeDocument/2006/relationships" xmlns:p="http://schemas.openxmlformats.org/presentationml/2006/main">
   <p:cSld>
@@ -9145,34 +9092,6 @@
       </p:grpSpPr>
       <p:sp>
         <p:nvSpPr>
-          <p:cNvPr id="2" name="제목 1"/>
-          <p:cNvSpPr>
-            <a:spLocks noGrp="1"/>
-          </p:cNvSpPr>
-          <p:nvPr>
-            <p:ph type="title"/>
-          </p:nvPr>
-        </p:nvSpPr>
-        <p:spPr>
-          <a:xfrm>
-            <a:off x="395536" y="44624"/>
-            <a:ext cx="8229600" cy="960438"/>
-          </a:xfrm>
-        </p:spPr>
-        <p:txBody>
-          <a:bodyPr/>
-          <a:lstStyle/>
-          <a:p>
-            <a:r>
-              <a:rPr lang="en-US" altLang="ko-KR" dirty="0"/>
-              <a:t>Step 4:Unrolling Loops</a:t>
-            </a:r>
-            <a:endParaRPr lang="ko-KR" altLang="en-US" dirty="0"/>
-          </a:p>
-        </p:txBody>
-      </p:sp>
-      <p:sp>
-        <p:nvSpPr>
           <p:cNvPr id="3" name="내용 개체 틀 2"/>
           <p:cNvSpPr>
             <a:spLocks noGrp="1"/>
@@ -9181,55 +9100,20 @@
             <p:ph idx="1"/>
           </p:nvPr>
         </p:nvSpPr>
-        <p:spPr>
-          <a:xfrm>
-            <a:off x="467544" y="1124744"/>
-            <a:ext cx="8229600" cy="4525963"/>
-          </a:xfrm>
-        </p:spPr>
+        <p:spPr/>
         <p:txBody>
           <a:bodyPr/>
           <a:lstStyle/>
           <a:p>
             <a:r>
-              <a:rPr lang="en-US" altLang="ko-KR" sz="2400" dirty="0">
-                <a:solidFill>
-                  <a:srgbClr val="FF0000"/>
-                </a:solidFill>
-              </a:rPr>
-              <a:t>Loop unrolling</a:t>
-            </a:r>
-            <a:r>
-              <a:rPr lang="en-US" altLang="ko-KR" sz="2400" dirty="0"/>
-              <a:t>: it is a technique to reduce the frequency of branches and loop instructions. </a:t>
-            </a:r>
-          </a:p>
-          <a:p>
-            <a:r>
-              <a:rPr lang="en-US" altLang="ko-KR" sz="2400" dirty="0">
-                <a:solidFill>
-                  <a:srgbClr val="FF0000"/>
-                </a:solidFill>
-              </a:rPr>
-              <a:t>Loop unrolling factor</a:t>
-            </a:r>
-            <a:r>
-              <a:rPr lang="en-US" altLang="ko-KR" sz="2400" dirty="0"/>
-              <a:t>: the number of copies made of the loop body. -&gt; </a:t>
-            </a:r>
-            <a:r>
-              <a:rPr lang="ko-KR" altLang="en-US" sz="2400" dirty="0"/>
-              <a:t>단점 </a:t>
-            </a:r>
-            <a:r>
-              <a:rPr lang="en-US" altLang="ko-KR" sz="2400" dirty="0"/>
-              <a:t>: binary code size increase by factor of loop unrolling factor ! </a:t>
-            </a:r>
-          </a:p>
-          <a:p>
-            <a:r>
-              <a:rPr lang="en-US" altLang="ko-KR" sz="2400" dirty="0"/>
-              <a:t>Example:</a:t>
+              <a:rPr lang="en-US" altLang="ko-KR" dirty="0"/>
+              <a:t>The major improvement of performance comes from the memory read and write patterns of global memory.</a:t>
+            </a:r>
+          </a:p>
+          <a:p>
+            <a:r>
+              <a:rPr lang="en-US" altLang="ko-KR" dirty="0"/>
+              <a:t>The interleaved reduction is 1.69 times faster than the step 2 implementation. Why?</a:t>
             </a:r>
           </a:p>
           <a:p>
@@ -9237,189 +9121,20 @@
               <a:buNone/>
             </a:pPr>
             <a:r>
-              <a:rPr lang="en-US" altLang="ko-KR" sz="2400" dirty="0"/>
-              <a:t>	for(</a:t>
-            </a:r>
-            <a:r>
-              <a:rPr lang="en-US" altLang="ko-KR" sz="2400" dirty="0" err="1"/>
-              <a:t>int</a:t>
-            </a:r>
-            <a:r>
-              <a:rPr lang="en-US" altLang="ko-KR" sz="2400" dirty="0"/>
-              <a:t> </a:t>
-            </a:r>
-            <a:r>
-              <a:rPr lang="en-US" altLang="ko-KR" sz="2400" dirty="0" err="1"/>
-              <a:t>i</a:t>
-            </a:r>
-            <a:r>
-              <a:rPr lang="en-US" altLang="ko-KR" sz="2400" dirty="0"/>
-              <a:t>=0; </a:t>
-            </a:r>
-            <a:r>
-              <a:rPr lang="en-US" altLang="ko-KR" sz="2400" dirty="0" err="1"/>
-              <a:t>i</a:t>
-            </a:r>
-            <a:r>
-              <a:rPr lang="en-US" altLang="ko-KR" sz="2400" dirty="0"/>
-              <a:t>&lt;100; </a:t>
-            </a:r>
-            <a:r>
-              <a:rPr lang="en-US" altLang="ko-KR" sz="2400" dirty="0" err="1"/>
-              <a:t>i</a:t>
-            </a:r>
-            <a:r>
-              <a:rPr lang="en-US" altLang="ko-KR" sz="2400" dirty="0"/>
-              <a:t>++){</a:t>
-            </a:r>
-          </a:p>
-          <a:p>
-            <a:pPr marL="0" indent="0">
-              <a:buNone/>
-            </a:pPr>
-            <a:r>
-              <a:rPr lang="en-US" altLang="ko-KR" sz="2400" dirty="0"/>
-              <a:t>		a[</a:t>
-            </a:r>
-            <a:r>
-              <a:rPr lang="en-US" altLang="ko-KR" sz="2400" dirty="0" err="1"/>
-              <a:t>i</a:t>
-            </a:r>
-            <a:r>
-              <a:rPr lang="en-US" altLang="ko-KR" sz="2400" dirty="0"/>
-              <a:t>]=b[</a:t>
-            </a:r>
-            <a:r>
-              <a:rPr lang="en-US" altLang="ko-KR" sz="2400" dirty="0" err="1"/>
-              <a:t>i</a:t>
-            </a:r>
-            <a:r>
-              <a:rPr lang="en-US" altLang="ko-KR" sz="2400" dirty="0"/>
-              <a:t>]+c[</a:t>
-            </a:r>
-            <a:r>
-              <a:rPr lang="en-US" altLang="ko-KR" sz="2400" dirty="0" err="1"/>
-              <a:t>i</a:t>
-            </a:r>
-            <a:r>
-              <a:rPr lang="en-US" altLang="ko-KR" sz="2400" dirty="0"/>
-              <a:t>];  </a:t>
-            </a:r>
-          </a:p>
-          <a:p>
-            <a:pPr marL="0" indent="0">
-              <a:buNone/>
-            </a:pPr>
-            <a:r>
-              <a:rPr lang="en-US" altLang="ko-KR" sz="2400" dirty="0"/>
-              <a:t>	}</a:t>
-            </a:r>
-          </a:p>
-          <a:p>
-            <a:pPr marL="0" indent="0">
-              <a:buNone/>
-            </a:pPr>
-            <a:endParaRPr lang="en-US" altLang="ko-KR" sz="2400" dirty="0"/>
-          </a:p>
-          <a:p>
-            <a:pPr marL="0" indent="0">
-              <a:buNone/>
-            </a:pPr>
-            <a:r>
-              <a:rPr lang="en-US" altLang="ko-KR" sz="2400" dirty="0"/>
-              <a:t>	for(</a:t>
-            </a:r>
-            <a:r>
-              <a:rPr lang="en-US" altLang="ko-KR" sz="2400" dirty="0" err="1"/>
-              <a:t>int</a:t>
-            </a:r>
-            <a:r>
-              <a:rPr lang="en-US" altLang="ko-KR" sz="2400" dirty="0"/>
-              <a:t> </a:t>
-            </a:r>
-            <a:r>
-              <a:rPr lang="en-US" altLang="ko-KR" sz="2400" dirty="0" err="1"/>
-              <a:t>i</a:t>
-            </a:r>
-            <a:r>
-              <a:rPr lang="en-US" altLang="ko-KR" sz="2400" dirty="0"/>
-              <a:t>=0; </a:t>
-            </a:r>
-            <a:r>
-              <a:rPr lang="en-US" altLang="ko-KR" sz="2400" dirty="0" err="1"/>
-              <a:t>i</a:t>
-            </a:r>
-            <a:r>
-              <a:rPr lang="en-US" altLang="ko-KR" sz="2400" dirty="0"/>
-              <a:t>&lt;100; </a:t>
-            </a:r>
-            <a:r>
-              <a:rPr lang="en-US" altLang="ko-KR" sz="2400" dirty="0" err="1"/>
-              <a:t>i</a:t>
-            </a:r>
-            <a:r>
-              <a:rPr lang="en-US" altLang="ko-KR" sz="2400" dirty="0"/>
-              <a:t>+=2){</a:t>
-            </a:r>
-          </a:p>
-          <a:p>
-            <a:pPr marL="0" indent="0">
-              <a:buNone/>
-            </a:pPr>
-            <a:r>
-              <a:rPr lang="en-US" altLang="ko-KR" sz="2400" dirty="0"/>
-              <a:t>		a[</a:t>
-            </a:r>
-            <a:r>
-              <a:rPr lang="en-US" altLang="ko-KR" sz="2400" dirty="0" err="1"/>
-              <a:t>i</a:t>
-            </a:r>
-            <a:r>
-              <a:rPr lang="en-US" altLang="ko-KR" sz="2400" dirty="0"/>
-              <a:t>]=b[</a:t>
-            </a:r>
-            <a:r>
-              <a:rPr lang="en-US" altLang="ko-KR" sz="2400" dirty="0" err="1"/>
-              <a:t>i</a:t>
-            </a:r>
-            <a:r>
-              <a:rPr lang="en-US" altLang="ko-KR" sz="2400" dirty="0"/>
-              <a:t>]+c[</a:t>
-            </a:r>
-            <a:r>
-              <a:rPr lang="en-US" altLang="ko-KR" sz="2400" dirty="0" err="1"/>
-              <a:t>i</a:t>
-            </a:r>
-            <a:r>
-              <a:rPr lang="en-US" altLang="ko-KR" sz="2400" dirty="0"/>
-              <a:t>];</a:t>
-            </a:r>
-          </a:p>
-          <a:p>
-            <a:pPr marL="0" indent="0">
-              <a:buNone/>
-            </a:pPr>
-            <a:r>
-              <a:rPr lang="en-US" altLang="ko-KR" sz="2400" dirty="0"/>
-              <a:t>		a[i+1]=b[i+1]+c[i+1];  </a:t>
-            </a:r>
-          </a:p>
-          <a:p>
-            <a:pPr marL="0" indent="0">
-              <a:buNone/>
-            </a:pPr>
-            <a:r>
-              <a:rPr lang="en-US" altLang="ko-KR" sz="2400" dirty="0"/>
-              <a:t>	}</a:t>
-            </a:r>
-            <a:endParaRPr lang="ko-KR" altLang="en-US" sz="2400" dirty="0"/>
+              <a:rPr lang="en-US" altLang="ko-KR" dirty="0"/>
+              <a:t>   - coalesced cache access !</a:t>
+            </a:r>
+            <a:endParaRPr lang="ko-KR" altLang="en-US" dirty="0"/>
+          </a:p>
+          <a:p>
+            <a:endParaRPr lang="ko-KR" altLang="en-US" dirty="0"/>
           </a:p>
         </p:txBody>
       </p:sp>
     </p:spTree>
     <p:extLst>
       <p:ext uri="{BB962C8B-B14F-4D97-AF65-F5344CB8AC3E}">
-        <p14:creationId xmlns:p14="http://schemas.microsoft.com/office/powerpoint/2010/main" val="1022355859"/>
+        <p14:creationId xmlns:p14="http://schemas.microsoft.com/office/powerpoint/2010/main" val="177882491"/>
       </p:ext>
     </p:extLst>
   </p:cSld>
@@ -9456,14 +9171,19 @@
             <p:ph type="title"/>
           </p:nvPr>
         </p:nvSpPr>
-        <p:spPr/>
+        <p:spPr>
+          <a:xfrm>
+            <a:off x="395536" y="44624"/>
+            <a:ext cx="8229600" cy="960438"/>
+          </a:xfrm>
+        </p:spPr>
         <p:txBody>
           <a:bodyPr/>
           <a:lstStyle/>
           <a:p>
             <a:r>
               <a:rPr lang="en-US" altLang="ko-KR" dirty="0"/>
-              <a:t>Unrolling loops</a:t>
+              <a:t>Step 4:Unrolling Loops</a:t>
             </a:r>
             <a:endParaRPr lang="ko-KR" altLang="en-US" dirty="0"/>
           </a:p>
@@ -9479,28 +9199,130 @@
             <p:ph idx="1"/>
           </p:nvPr>
         </p:nvSpPr>
-        <p:spPr/>
+        <p:spPr>
+          <a:xfrm>
+            <a:off x="467544" y="1124744"/>
+            <a:ext cx="8229600" cy="4525963"/>
+          </a:xfrm>
+        </p:spPr>
         <p:txBody>
           <a:bodyPr/>
           <a:lstStyle/>
           <a:p>
+            <a:r>
+              <a:rPr lang="en-US" altLang="ko-KR" sz="2400" dirty="0">
+                <a:solidFill>
+                  <a:srgbClr val="FF0000"/>
+                </a:solidFill>
+              </a:rPr>
+              <a:t>Loop unrolling</a:t>
+            </a:r>
+            <a:r>
+              <a:rPr lang="en-US" altLang="ko-KR" sz="2400" dirty="0"/>
+              <a:t>: it is a technique to reduce the frequency of branches and loop instructions. </a:t>
+            </a:r>
+          </a:p>
+          <a:p>
+            <a:r>
+              <a:rPr lang="en-US" altLang="ko-KR" sz="2400" dirty="0">
+                <a:solidFill>
+                  <a:srgbClr val="FF0000"/>
+                </a:solidFill>
+              </a:rPr>
+              <a:t>Loop unrolling factor</a:t>
+            </a:r>
+            <a:r>
+              <a:rPr lang="en-US" altLang="ko-KR" sz="2400" dirty="0"/>
+              <a:t>: the number of copies made of the loop body. -&gt; </a:t>
+            </a:r>
+            <a:r>
+              <a:rPr lang="ko-KR" altLang="en-US" sz="2400" dirty="0"/>
+              <a:t>단점 </a:t>
+            </a:r>
+            <a:r>
+              <a:rPr lang="en-US" altLang="ko-KR" sz="2400" dirty="0"/>
+              <a:t>: binary code size increase by factor of loop unrolling factor ! </a:t>
+            </a:r>
+          </a:p>
+          <a:p>
+            <a:r>
+              <a:rPr lang="en-US" altLang="ko-KR" sz="2400" dirty="0"/>
+              <a:t>Example:</a:t>
+            </a:r>
+          </a:p>
+          <a:p>
             <a:pPr marL="0" indent="0">
               <a:buNone/>
             </a:pPr>
             <a:r>
-              <a:rPr lang="en-US" altLang="ko-KR" sz="2400" u="sng" dirty="0"/>
-              <a:t>Unrolling loops: </a:t>
-            </a:r>
-            <a:r>
               <a:rPr lang="en-US" altLang="ko-KR" sz="2400" dirty="0"/>
-              <a:t>it is a loop transformation technique that attempts to optimize the execution speed of a program at the expense of its binary size. The transformation can be undertaken manually by the programmer or by an optimizing compiler. </a:t>
+              <a:t>	for(</a:t>
+            </a:r>
+            <a:r>
+              <a:rPr lang="en-US" altLang="ko-KR" sz="2400" dirty="0" err="1"/>
+              <a:t>int</a:t>
+            </a:r>
+            <a:r>
+              <a:rPr lang="en-US" altLang="ko-KR" sz="2400" dirty="0"/>
+              <a:t> </a:t>
+            </a:r>
+            <a:r>
+              <a:rPr lang="en-US" altLang="ko-KR" sz="2400" dirty="0" err="1"/>
+              <a:t>i</a:t>
+            </a:r>
+            <a:r>
+              <a:rPr lang="en-US" altLang="ko-KR" sz="2400" dirty="0"/>
+              <a:t>=0; </a:t>
+            </a:r>
+            <a:r>
+              <a:rPr lang="en-US" altLang="ko-KR" sz="2400" dirty="0" err="1"/>
+              <a:t>i</a:t>
+            </a:r>
+            <a:r>
+              <a:rPr lang="en-US" altLang="ko-KR" sz="2400" dirty="0"/>
+              <a:t>&lt;100; </a:t>
+            </a:r>
+            <a:r>
+              <a:rPr lang="en-US" altLang="ko-KR" sz="2400" dirty="0" err="1"/>
+              <a:t>i</a:t>
+            </a:r>
+            <a:r>
+              <a:rPr lang="en-US" altLang="ko-KR" sz="2400" dirty="0"/>
+              <a:t>++){</a:t>
             </a:r>
           </a:p>
           <a:p>
             <a:pPr marL="0" indent="0">
               <a:buNone/>
             </a:pPr>
-            <a:endParaRPr lang="en-US" altLang="ko-KR" sz="2400" dirty="0"/>
+            <a:r>
+              <a:rPr lang="en-US" altLang="ko-KR" sz="2400" dirty="0"/>
+              <a:t>		a[</a:t>
+            </a:r>
+            <a:r>
+              <a:rPr lang="en-US" altLang="ko-KR" sz="2400" dirty="0" err="1"/>
+              <a:t>i</a:t>
+            </a:r>
+            <a:r>
+              <a:rPr lang="en-US" altLang="ko-KR" sz="2400" dirty="0"/>
+              <a:t>]=b[</a:t>
+            </a:r>
+            <a:r>
+              <a:rPr lang="en-US" altLang="ko-KR" sz="2400" dirty="0" err="1"/>
+              <a:t>i</a:t>
+            </a:r>
+            <a:r>
+              <a:rPr lang="en-US" altLang="ko-KR" sz="2400" dirty="0"/>
+              <a:t>]+c[</a:t>
+            </a:r>
+            <a:r>
+              <a:rPr lang="en-US" altLang="ko-KR" sz="2400" dirty="0" err="1"/>
+              <a:t>i</a:t>
+            </a:r>
+            <a:r>
+              <a:rPr lang="en-US" altLang="ko-KR" sz="2400" dirty="0"/>
+              <a:t>];  </a:t>
+            </a:r>
           </a:p>
           <a:p>
             <a:pPr marL="0" indent="0">
@@ -9508,7 +9330,7 @@
             </a:pPr>
             <a:r>
               <a:rPr lang="en-US" altLang="ko-KR" sz="2400" dirty="0"/>
-              <a:t>The unrolling loops is to increase the execution speed of a program by reducing or eliminating instructions that control the loop, reducing branch penalty, as well as hiding latency.</a:t>
+              <a:t>	}</a:t>
             </a:r>
           </a:p>
           <a:p>
@@ -9523,21 +9345,99 @@
             </a:pPr>
             <a:r>
               <a:rPr lang="en-US" altLang="ko-KR" sz="2400" dirty="0"/>
-              <a:t>Loop are rewritten as a repeated sequence of similar independent statements.</a:t>
-            </a:r>
-          </a:p>
-          <a:p>
-            <a:endParaRPr lang="en-US" altLang="ko-KR" u="sng" dirty="0"/>
-          </a:p>
-          <a:p>
-            <a:endParaRPr lang="ko-KR" altLang="en-US" dirty="0"/>
+              <a:t>	for(</a:t>
+            </a:r>
+            <a:r>
+              <a:rPr lang="en-US" altLang="ko-KR" sz="2400" dirty="0" err="1"/>
+              <a:t>int</a:t>
+            </a:r>
+            <a:r>
+              <a:rPr lang="en-US" altLang="ko-KR" sz="2400" dirty="0"/>
+              <a:t> </a:t>
+            </a:r>
+            <a:r>
+              <a:rPr lang="en-US" altLang="ko-KR" sz="2400" dirty="0" err="1"/>
+              <a:t>i</a:t>
+            </a:r>
+            <a:r>
+              <a:rPr lang="en-US" altLang="ko-KR" sz="2400" dirty="0"/>
+              <a:t>=0; </a:t>
+            </a:r>
+            <a:r>
+              <a:rPr lang="en-US" altLang="ko-KR" sz="2400" dirty="0" err="1"/>
+              <a:t>i</a:t>
+            </a:r>
+            <a:r>
+              <a:rPr lang="en-US" altLang="ko-KR" sz="2400" dirty="0"/>
+              <a:t>&lt;100; </a:t>
+            </a:r>
+            <a:r>
+              <a:rPr lang="en-US" altLang="ko-KR" sz="2400" dirty="0" err="1"/>
+              <a:t>i</a:t>
+            </a:r>
+            <a:r>
+              <a:rPr lang="en-US" altLang="ko-KR" sz="2400" dirty="0"/>
+              <a:t>+=2){</a:t>
+            </a:r>
+          </a:p>
+          <a:p>
+            <a:pPr marL="0" indent="0">
+              <a:buNone/>
+            </a:pPr>
+            <a:r>
+              <a:rPr lang="en-US" altLang="ko-KR" sz="2400" dirty="0"/>
+              <a:t>		a[</a:t>
+            </a:r>
+            <a:r>
+              <a:rPr lang="en-US" altLang="ko-KR" sz="2400" dirty="0" err="1"/>
+              <a:t>i</a:t>
+            </a:r>
+            <a:r>
+              <a:rPr lang="en-US" altLang="ko-KR" sz="2400" dirty="0"/>
+              <a:t>]=b[</a:t>
+            </a:r>
+            <a:r>
+              <a:rPr lang="en-US" altLang="ko-KR" sz="2400" dirty="0" err="1"/>
+              <a:t>i</a:t>
+            </a:r>
+            <a:r>
+              <a:rPr lang="en-US" altLang="ko-KR" sz="2400" dirty="0"/>
+              <a:t>]+c[</a:t>
+            </a:r>
+            <a:r>
+              <a:rPr lang="en-US" altLang="ko-KR" sz="2400" dirty="0" err="1"/>
+              <a:t>i</a:t>
+            </a:r>
+            <a:r>
+              <a:rPr lang="en-US" altLang="ko-KR" sz="2400" dirty="0"/>
+              <a:t>];</a:t>
+            </a:r>
+          </a:p>
+          <a:p>
+            <a:pPr marL="0" indent="0">
+              <a:buNone/>
+            </a:pPr>
+            <a:r>
+              <a:rPr lang="en-US" altLang="ko-KR" sz="2400" dirty="0"/>
+              <a:t>		a[i+1]=b[i+1]+c[i+1];  </a:t>
+            </a:r>
+          </a:p>
+          <a:p>
+            <a:pPr marL="0" indent="0">
+              <a:buNone/>
+            </a:pPr>
+            <a:r>
+              <a:rPr lang="en-US" altLang="ko-KR" sz="2400" dirty="0"/>
+              <a:t>	}</a:t>
+            </a:r>
+            <a:endParaRPr lang="ko-KR" altLang="en-US" sz="2400" dirty="0"/>
           </a:p>
         </p:txBody>
       </p:sp>
     </p:spTree>
     <p:extLst>
       <p:ext uri="{BB962C8B-B14F-4D97-AF65-F5344CB8AC3E}">
-        <p14:creationId xmlns:p14="http://schemas.microsoft.com/office/powerpoint/2010/main" val="3334566466"/>
+        <p14:creationId xmlns:p14="http://schemas.microsoft.com/office/powerpoint/2010/main" val="1022355859"/>
       </p:ext>
     </p:extLst>
   </p:cSld>
@@ -9581,6 +9481,157 @@
           <a:p>
             <a:r>
               <a:rPr lang="en-US" altLang="ko-KR" dirty="0"/>
+              <a:t>Unrolling loops</a:t>
+            </a:r>
+            <a:endParaRPr lang="ko-KR" altLang="en-US" dirty="0"/>
+          </a:p>
+        </p:txBody>
+      </p:sp>
+      <p:sp>
+        <p:nvSpPr>
+          <p:cNvPr id="3" name="내용 개체 틀 2"/>
+          <p:cNvSpPr>
+            <a:spLocks noGrp="1"/>
+          </p:cNvSpPr>
+          <p:nvPr>
+            <p:ph idx="1"/>
+          </p:nvPr>
+        </p:nvSpPr>
+        <p:spPr>
+          <a:xfrm>
+            <a:off x="457200" y="1600200"/>
+            <a:ext cx="8229600" cy="4997152"/>
+          </a:xfrm>
+        </p:spPr>
+        <p:txBody>
+          <a:bodyPr/>
+          <a:lstStyle/>
+          <a:p>
+            <a:pPr marL="0" indent="0">
+              <a:buNone/>
+            </a:pPr>
+            <a:r>
+              <a:rPr lang="en-US" altLang="ko-KR" sz="1800" u="sng" dirty="0"/>
+              <a:t>Unrolling loops: </a:t>
+            </a:r>
+            <a:r>
+              <a:rPr lang="en-US" altLang="ko-KR" sz="1800" dirty="0"/>
+              <a:t>it is a loop transformation technique that attempts to optimize the execution speed of a program at the expense of its binary size. The transformation can be undertaken manually by the programmer or by an optimizing compiler. </a:t>
+            </a:r>
+          </a:p>
+          <a:p>
+            <a:pPr marL="0" indent="0">
+              <a:buNone/>
+            </a:pPr>
+            <a:endParaRPr lang="en-US" altLang="ko-KR" sz="1800" dirty="0"/>
+          </a:p>
+          <a:p>
+            <a:pPr marL="0" indent="0">
+              <a:buNone/>
+            </a:pPr>
+            <a:r>
+              <a:rPr lang="en-US" altLang="ko-KR" sz="1800" dirty="0"/>
+              <a:t>The unrolling loops is to increase the execution speed of a program by reducing or eliminating instructions that control the loop, reducing branch penalty, as well as hiding latency.</a:t>
+            </a:r>
+          </a:p>
+          <a:p>
+            <a:pPr marL="0" indent="0">
+              <a:buNone/>
+            </a:pPr>
+            <a:endParaRPr lang="en-US" altLang="ko-KR" sz="1800" dirty="0"/>
+          </a:p>
+          <a:p>
+            <a:pPr marL="0" indent="0">
+              <a:buNone/>
+            </a:pPr>
+            <a:r>
+              <a:rPr lang="en-US" altLang="ko-KR" sz="1800" dirty="0"/>
+              <a:t>Loop are rewritten as a repeated sequence of similar independent statements.</a:t>
+            </a:r>
+          </a:p>
+          <a:p>
+            <a:pPr marL="0" indent="0">
+              <a:buNone/>
+            </a:pPr>
+            <a:endParaRPr lang="en-US" altLang="ko-KR" sz="1800" dirty="0"/>
+          </a:p>
+          <a:p>
+            <a:pPr marL="0" indent="0">
+              <a:buNone/>
+            </a:pPr>
+            <a:r>
+              <a:rPr lang="en-US" altLang="ko-KR" sz="1800" dirty="0"/>
+              <a:t>Improving performance by reducing instruction overheads and creating more independent instructions to schedule.</a:t>
+            </a:r>
+          </a:p>
+          <a:p>
+            <a:pPr marL="0" indent="0">
+              <a:buNone/>
+            </a:pPr>
+            <a:r>
+              <a:rPr lang="en-US" altLang="ko-KR" sz="1800" dirty="0"/>
+              <a:t>As a result, more concurrent operations are added to the pipeline leading to higher saturation of instruction and memory bandwidth. This provides the warp scheduler with more eligible warps that can help hide instruction or memory latency </a:t>
+            </a:r>
+            <a:br>
+              <a:rPr lang="en-US" altLang="ko-KR" sz="2400" dirty="0"/>
+            </a:br>
+            <a:endParaRPr lang="en-US" altLang="ko-KR" sz="2400" dirty="0"/>
+          </a:p>
+          <a:p>
+            <a:endParaRPr lang="en-US" altLang="ko-KR" u="sng" dirty="0"/>
+          </a:p>
+          <a:p>
+            <a:endParaRPr lang="ko-KR" altLang="en-US" dirty="0"/>
+          </a:p>
+        </p:txBody>
+      </p:sp>
+    </p:spTree>
+    <p:extLst>
+      <p:ext uri="{BB962C8B-B14F-4D97-AF65-F5344CB8AC3E}">
+        <p14:creationId xmlns:p14="http://schemas.microsoft.com/office/powerpoint/2010/main" val="3334566466"/>
+      </p:ext>
+    </p:extLst>
+  </p:cSld>
+  <p:clrMapOvr>
+    <a:masterClrMapping/>
+  </p:clrMapOvr>
+</p:sld>
+</file>
+
+<file path=ppt/slides/slide25.xml><?xml version="1.0" encoding="utf-8"?>
+<p:sld xmlns:a="http://schemas.openxmlformats.org/drawingml/2006/main" xmlns:r="http://schemas.openxmlformats.org/officeDocument/2006/relationships" xmlns:p="http://schemas.openxmlformats.org/presentationml/2006/main">
+  <p:cSld>
+    <p:spTree>
+      <p:nvGrpSpPr>
+        <p:cNvPr id="1" name=""/>
+        <p:cNvGrpSpPr/>
+        <p:nvPr/>
+      </p:nvGrpSpPr>
+      <p:grpSpPr>
+        <a:xfrm>
+          <a:off x="0" y="0"/>
+          <a:ext cx="0" cy="0"/>
+          <a:chOff x="0" y="0"/>
+          <a:chExt cx="0" cy="0"/>
+        </a:xfrm>
+      </p:grpSpPr>
+      <p:sp>
+        <p:nvSpPr>
+          <p:cNvPr id="2" name="제목 1"/>
+          <p:cNvSpPr>
+            <a:spLocks noGrp="1"/>
+          </p:cNvSpPr>
+          <p:nvPr>
+            <p:ph type="title"/>
+          </p:nvPr>
+        </p:nvSpPr>
+        <p:spPr/>
+        <p:txBody>
+          <a:bodyPr/>
+          <a:lstStyle/>
+          <a:p>
+            <a:r>
+              <a:rPr lang="en-US" altLang="ko-KR" dirty="0"/>
               <a:t>Reducing with Unrolling</a:t>
             </a:r>
             <a:endParaRPr lang="ko-KR" altLang="en-US" dirty="0"/>
@@ -9784,7 +9835,7 @@
 </p:sld>
 </file>
 
-<file path=ppt/slides/slide25.xml><?xml version="1.0" encoding="utf-8"?>
+<file path=ppt/slides/slide26.xml><?xml version="1.0" encoding="utf-8"?>
 <p:sld xmlns:a="http://schemas.openxmlformats.org/drawingml/2006/main" xmlns:r="http://schemas.openxmlformats.org/officeDocument/2006/relationships" xmlns:p="http://schemas.openxmlformats.org/presentationml/2006/main">
   <p:cSld>
     <p:spTree>
@@ -9840,47 +9891,47 @@
           <a:lstStyle/>
           <a:p>
             <a:r>
-              <a:rPr lang="en-US" altLang="ko-KR" dirty="0"/>
+              <a:rPr lang="en-US" altLang="ko-KR" sz="2400" dirty="0"/>
               <a:t>if(</a:t>
             </a:r>
             <a:r>
-              <a:rPr lang="en-US" altLang="ko-KR" dirty="0" err="1"/>
+              <a:rPr lang="en-US" altLang="ko-KR" sz="2400" dirty="0" err="1"/>
               <a:t>idx+blockDim.x</a:t>
             </a:r>
             <a:r>
-              <a:rPr lang="en-US" altLang="ko-KR" dirty="0"/>
+              <a:rPr lang="en-US" altLang="ko-KR" sz="2400" dirty="0"/>
               <a:t>&lt;n) </a:t>
             </a:r>
             <a:r>
-              <a:rPr lang="en-US" altLang="ko-KR" dirty="0" err="1"/>
+              <a:rPr lang="en-US" altLang="ko-KR" sz="2400" dirty="0" err="1"/>
               <a:t>g_idata</a:t>
             </a:r>
             <a:r>
-              <a:rPr lang="en-US" altLang="ko-KR" dirty="0"/>
+              <a:rPr lang="en-US" altLang="ko-KR" sz="2400" dirty="0"/>
               <a:t>[</a:t>
             </a:r>
             <a:r>
-              <a:rPr lang="en-US" altLang="ko-KR" dirty="0" err="1"/>
+              <a:rPr lang="en-US" altLang="ko-KR" sz="2400" dirty="0" err="1"/>
               <a:t>idx</a:t>
             </a:r>
             <a:r>
-              <a:rPr lang="en-US" altLang="ko-KR" dirty="0"/>
+              <a:rPr lang="en-US" altLang="ko-KR" sz="2400" dirty="0"/>
               <a:t>] += </a:t>
             </a:r>
             <a:r>
-              <a:rPr lang="en-US" altLang="ko-KR" dirty="0" err="1"/>
+              <a:rPr lang="en-US" altLang="ko-KR" sz="2400" dirty="0" err="1"/>
               <a:t>g_idata</a:t>
             </a:r>
             <a:r>
-              <a:rPr lang="en-US" altLang="ko-KR" dirty="0"/>
+              <a:rPr lang="en-US" altLang="ko-KR" sz="2400" dirty="0"/>
               <a:t>[</a:t>
             </a:r>
             <a:r>
-              <a:rPr lang="en-US" altLang="ko-KR" dirty="0" err="1"/>
+              <a:rPr lang="en-US" altLang="ko-KR" sz="2400" dirty="0" err="1"/>
               <a:t>idx+blockDim.x</a:t>
             </a:r>
             <a:r>
-              <a:rPr lang="en-US" altLang="ko-KR" dirty="0"/>
+              <a:rPr lang="en-US" altLang="ko-KR" sz="2400" dirty="0"/>
               <a:t>];</a:t>
             </a:r>
           </a:p>
@@ -9889,7 +9940,7 @@
               <a:buNone/>
             </a:pPr>
             <a:r>
-              <a:rPr lang="en-US" altLang="ko-KR" dirty="0"/>
+              <a:rPr lang="en-US" altLang="ko-KR" sz="2400" dirty="0"/>
               <a:t>   : Each thread is adding an element from 	neighboring data block.</a:t>
             </a:r>
           </a:p>
@@ -9897,14 +9948,51 @@
             <a:pPr marL="0" indent="0">
               <a:buNone/>
             </a:pPr>
-            <a:endParaRPr lang="en-US" altLang="ko-KR" dirty="0"/>
-          </a:p>
-          <a:p>
-            <a:r>
-              <a:rPr lang="en-US" altLang="ko-KR" dirty="0"/>
+            <a:r>
+              <a:rPr lang="en-US" altLang="ko-KR" sz="2400" dirty="0"/>
+              <a:t>because you only need half as many</a:t>
+            </a:r>
+            <a:br>
+              <a:rPr lang="en-US" altLang="ko-KR" sz="2400" dirty="0"/>
+            </a:br>
+            <a:r>
+              <a:rPr lang="en-US" altLang="ko-KR" sz="2400" dirty="0"/>
+              <a:t>thread blocks to process the same data set </a:t>
+            </a:r>
+          </a:p>
+          <a:p>
+            <a:pPr marL="0" indent="0">
+              <a:buNone/>
+            </a:pPr>
+            <a:endParaRPr lang="en-US" altLang="ko-KR" sz="2400" dirty="0"/>
+          </a:p>
+          <a:p>
+            <a:pPr marL="0" indent="0">
+              <a:buNone/>
+            </a:pPr>
+            <a:br>
+              <a:rPr lang="en-US" altLang="ko-KR" sz="2800" dirty="0"/>
+            </a:br>
+            <a:endParaRPr lang="en-US" altLang="ko-KR" sz="2800" dirty="0"/>
+          </a:p>
+          <a:p>
+            <a:pPr marL="0" indent="0">
+              <a:buNone/>
+            </a:pPr>
+            <a:endParaRPr lang="en-US" altLang="ko-KR" sz="2800" dirty="0"/>
+          </a:p>
+          <a:p>
+            <a:pPr marL="0" indent="0">
+              <a:buNone/>
+            </a:pPr>
+            <a:endParaRPr lang="en-US" altLang="ko-KR" sz="2800" dirty="0"/>
+          </a:p>
+          <a:p>
+            <a:r>
+              <a:rPr lang="en-US" altLang="ko-KR" sz="2400" dirty="0"/>
               <a:t>We can obtain faster execution than the previous one.</a:t>
             </a:r>
-            <a:endParaRPr lang="ko-KR" altLang="en-US" dirty="0"/>
+            <a:endParaRPr lang="ko-KR" altLang="en-US" sz="2400" dirty="0"/>
           </a:p>
         </p:txBody>
       </p:sp>
@@ -9931,7 +10019,7 @@
         </p:blipFill>
         <p:spPr bwMode="auto">
           <a:xfrm>
-            <a:off x="604684" y="3861048"/>
+            <a:off x="561975" y="4221088"/>
             <a:ext cx="8020050" cy="2143125"/>
           </a:xfrm>
           <a:prstGeom prst="rect">
@@ -9985,7 +10073,7 @@
 </p:sld>
 </file>
 
-<file path=ppt/slides/slide26.xml><?xml version="1.0" encoding="utf-8"?>
+<file path=ppt/slides/slide27.xml><?xml version="1.0" encoding="utf-8"?>
 <p:sld xmlns:a="http://schemas.openxmlformats.org/drawingml/2006/main" xmlns:r="http://schemas.openxmlformats.org/officeDocument/2006/relationships" xmlns:p="http://schemas.openxmlformats.org/presentationml/2006/main">
   <p:cSld>
     <p:spTree>
@@ -10021,25 +10109,6 @@
               <a:rPr lang="en-US" altLang="ko-KR" dirty="0"/>
               <a:t>Performance</a:t>
             </a:r>
-            <a:endParaRPr lang="ko-KR" altLang="en-US" dirty="0"/>
-          </a:p>
-        </p:txBody>
-      </p:sp>
-      <p:sp>
-        <p:nvSpPr>
-          <p:cNvPr id="3" name="내용 개체 틀 2"/>
-          <p:cNvSpPr>
-            <a:spLocks noGrp="1"/>
-          </p:cNvSpPr>
-          <p:nvPr>
-            <p:ph idx="1"/>
-          </p:nvPr>
-        </p:nvSpPr>
-        <p:spPr/>
-        <p:txBody>
-          <a:bodyPr/>
-          <a:lstStyle/>
-          <a:p>
             <a:endParaRPr lang="ko-KR" altLang="en-US" dirty="0"/>
           </a:p>
         </p:txBody>
@@ -10121,7 +10190,7 @@
 </p:sld>
 </file>
 
-<file path=ppt/slides/slide27.xml><?xml version="1.0" encoding="utf-8"?>
+<file path=ppt/slides/slide28.xml><?xml version="1.0" encoding="utf-8"?>
 <p:sld xmlns:a="http://schemas.openxmlformats.org/drawingml/2006/main" xmlns:r="http://schemas.openxmlformats.org/officeDocument/2006/relationships" xmlns:p="http://schemas.openxmlformats.org/presentationml/2006/main">
   <p:cSld>
     <p:spTree>
@@ -10227,25 +10296,6 @@
             <a:endParaRPr lang="ko-KR" altLang="en-US" sz="1400" dirty="0">
               <a:latin typeface="+mn-lt"/>
             </a:endParaRPr>
-          </a:p>
-        </p:txBody>
-      </p:sp>
-      <p:sp>
-        <p:nvSpPr>
-          <p:cNvPr id="5" name="내용 개체 틀 4"/>
-          <p:cNvSpPr>
-            <a:spLocks noGrp="1"/>
-          </p:cNvSpPr>
-          <p:nvPr>
-            <p:ph idx="1"/>
-          </p:nvPr>
-        </p:nvSpPr>
-        <p:spPr/>
-        <p:txBody>
-          <a:bodyPr/>
-          <a:lstStyle/>
-          <a:p>
-            <a:endParaRPr lang="ko-KR" altLang="en-US" dirty="0"/>
           </a:p>
         </p:txBody>
       </p:sp>
@@ -10326,256 +10376,6 @@
 </p:sld>
 </file>
 
-<file path=ppt/slides/slide28.xml><?xml version="1.0" encoding="utf-8"?>
-<p:sld xmlns:a="http://schemas.openxmlformats.org/drawingml/2006/main" xmlns:r="http://schemas.openxmlformats.org/officeDocument/2006/relationships" xmlns:p="http://schemas.openxmlformats.org/presentationml/2006/main">
-  <p:cSld>
-    <p:spTree>
-      <p:nvGrpSpPr>
-        <p:cNvPr id="1" name=""/>
-        <p:cNvGrpSpPr/>
-        <p:nvPr/>
-      </p:nvGrpSpPr>
-      <p:grpSpPr>
-        <a:xfrm>
-          <a:off x="0" y="0"/>
-          <a:ext cx="0" cy="0"/>
-          <a:chOff x="0" y="0"/>
-          <a:chExt cx="0" cy="0"/>
-        </a:xfrm>
-      </p:grpSpPr>
-      <p:sp>
-        <p:nvSpPr>
-          <p:cNvPr id="2" name="제목 1"/>
-          <p:cNvSpPr>
-            <a:spLocks noGrp="1"/>
-          </p:cNvSpPr>
-          <p:nvPr>
-            <p:ph type="title"/>
-          </p:nvPr>
-        </p:nvSpPr>
-        <p:spPr/>
-        <p:txBody>
-          <a:bodyPr/>
-          <a:lstStyle/>
-          <a:p>
-            <a:r>
-              <a:rPr lang="en-US" altLang="ko-KR" dirty="0"/>
-              <a:t>Unrolled warp</a:t>
-            </a:r>
-            <a:endParaRPr lang="ko-KR" altLang="en-US" dirty="0"/>
-          </a:p>
-        </p:txBody>
-      </p:sp>
-      <p:sp>
-        <p:nvSpPr>
-          <p:cNvPr id="3" name="내용 개체 틀 2"/>
-          <p:cNvSpPr>
-            <a:spLocks noGrp="1"/>
-          </p:cNvSpPr>
-          <p:nvPr>
-            <p:ph idx="1"/>
-          </p:nvPr>
-        </p:nvSpPr>
-        <p:spPr/>
-        <p:txBody>
-          <a:bodyPr/>
-          <a:lstStyle/>
-          <a:p>
-            <a:r>
-              <a:rPr lang="en-US" altLang="ko-KR" sz="2400" dirty="0"/>
-              <a:t>for( </a:t>
-            </a:r>
-            <a:r>
-              <a:rPr lang="en-US" altLang="ko-KR" sz="2400" dirty="0" err="1"/>
-              <a:t>int</a:t>
-            </a:r>
-            <a:r>
-              <a:rPr lang="en-US" altLang="ko-KR" sz="2400" dirty="0"/>
-              <a:t> stride=</a:t>
-            </a:r>
-            <a:r>
-              <a:rPr lang="en-US" altLang="ko-KR" sz="2400" dirty="0" err="1"/>
-              <a:t>blockDim.x</a:t>
-            </a:r>
-            <a:r>
-              <a:rPr lang="en-US" altLang="ko-KR" sz="2400" dirty="0"/>
-              <a:t>/2; stride &gt; 0; s&gt;&gt;=1){</a:t>
-            </a:r>
-          </a:p>
-          <a:p>
-            <a:pPr marL="0" indent="0">
-              <a:buNone/>
-            </a:pPr>
-            <a:r>
-              <a:rPr lang="en-US" altLang="ko-KR" sz="2400" dirty="0"/>
-              <a:t>      if(</a:t>
-            </a:r>
-            <a:r>
-              <a:rPr lang="en-US" altLang="ko-KR" sz="2400" dirty="0" err="1"/>
-              <a:t>tid</a:t>
-            </a:r>
-            <a:r>
-              <a:rPr lang="en-US" altLang="ko-KR" sz="2400" dirty="0"/>
-              <a:t> &lt; stride)</a:t>
-            </a:r>
-          </a:p>
-          <a:p>
-            <a:pPr marL="0" indent="0">
-              <a:buNone/>
-            </a:pPr>
-            <a:r>
-              <a:rPr lang="en-US" altLang="ko-KR" sz="2400" dirty="0"/>
-              <a:t>      {    </a:t>
-            </a:r>
-            <a:r>
-              <a:rPr lang="en-US" altLang="ko-KR" sz="2400" dirty="0" err="1"/>
-              <a:t>idata</a:t>
-            </a:r>
-            <a:r>
-              <a:rPr lang="en-US" altLang="ko-KR" sz="2400" dirty="0"/>
-              <a:t>[</a:t>
-            </a:r>
-            <a:r>
-              <a:rPr lang="en-US" altLang="ko-KR" sz="2400" dirty="0" err="1"/>
-              <a:t>tid</a:t>
-            </a:r>
-            <a:r>
-              <a:rPr lang="en-US" altLang="ko-KR" sz="2400" dirty="0"/>
-              <a:t>]+=</a:t>
-            </a:r>
-            <a:r>
-              <a:rPr lang="en-US" altLang="ko-KR" sz="2400" dirty="0" err="1"/>
-              <a:t>idata</a:t>
-            </a:r>
-            <a:r>
-              <a:rPr lang="en-US" altLang="ko-KR" sz="2400" dirty="0"/>
-              <a:t>[</a:t>
-            </a:r>
-            <a:r>
-              <a:rPr lang="en-US" altLang="ko-KR" sz="2400" dirty="0" err="1"/>
-              <a:t>tid+stride</a:t>
-            </a:r>
-            <a:r>
-              <a:rPr lang="en-US" altLang="ko-KR" sz="2400" dirty="0"/>
-              <a:t>]; }</a:t>
-            </a:r>
-          </a:p>
-          <a:p>
-            <a:pPr marL="0" indent="0">
-              <a:buNone/>
-            </a:pPr>
-            <a:r>
-              <a:rPr lang="en-US" altLang="ko-KR" sz="2400" dirty="0"/>
-              <a:t>    __</a:t>
-            </a:r>
-            <a:r>
-              <a:rPr lang="en-US" altLang="ko-KR" sz="2400" dirty="0" err="1"/>
-              <a:t>syncthreads</a:t>
-            </a:r>
-            <a:r>
-              <a:rPr lang="en-US" altLang="ko-KR" sz="2400" dirty="0"/>
-              <a:t>( );</a:t>
-            </a:r>
-          </a:p>
-          <a:p>
-            <a:pPr marL="0" indent="0">
-              <a:buNone/>
-            </a:pPr>
-            <a:r>
-              <a:rPr lang="en-US" altLang="ko-KR" sz="2400" dirty="0"/>
-              <a:t>    }</a:t>
-            </a:r>
-          </a:p>
-          <a:p>
-            <a:r>
-              <a:rPr lang="en-US" altLang="ko-KR" sz="2400" dirty="0"/>
-              <a:t>if (stride &lt;=32), there will be only one warp remained. </a:t>
-            </a:r>
-          </a:p>
-          <a:p>
-            <a:r>
-              <a:rPr lang="en-US" altLang="ko-KR" sz="2400" dirty="0"/>
-              <a:t>If there is only one warp in a block,  __</a:t>
-            </a:r>
-            <a:r>
-              <a:rPr lang="en-US" altLang="ko-KR" sz="2400" dirty="0" err="1"/>
-              <a:t>syncthreads</a:t>
-            </a:r>
-            <a:r>
-              <a:rPr lang="en-US" altLang="ko-KR" sz="2400" dirty="0"/>
-              <a:t>( ); is not necessary, since all threads in a warp are all synchronized.</a:t>
-            </a:r>
-          </a:p>
-          <a:p>
-            <a:r>
-              <a:rPr lang="en-US" altLang="ko-KR" sz="2400" dirty="0">
-                <a:solidFill>
-                  <a:srgbClr val="00B050"/>
-                </a:solidFill>
-              </a:rPr>
-              <a:t>__</a:t>
-            </a:r>
-            <a:r>
-              <a:rPr lang="en-US" altLang="ko-KR" sz="2400" dirty="0" err="1">
-                <a:solidFill>
-                  <a:srgbClr val="00B050"/>
-                </a:solidFill>
-              </a:rPr>
-              <a:t>syncthreads</a:t>
-            </a:r>
-            <a:r>
-              <a:rPr lang="en-US" altLang="ko-KR" sz="2400" dirty="0">
-                <a:solidFill>
-                  <a:srgbClr val="00B050"/>
-                </a:solidFill>
-              </a:rPr>
-              <a:t>( ): </a:t>
-            </a:r>
-          </a:p>
-          <a:p>
-            <a:pPr marL="0" indent="0">
-              <a:buNone/>
-            </a:pPr>
-            <a:r>
-              <a:rPr lang="en-US" altLang="ko-KR" sz="2400" dirty="0">
-                <a:solidFill>
-                  <a:srgbClr val="00B050"/>
-                </a:solidFill>
-              </a:rPr>
-              <a:t>    When a kernel calls __</a:t>
-            </a:r>
-            <a:r>
-              <a:rPr lang="en-US" altLang="ko-KR" sz="2400" dirty="0" err="1">
-                <a:solidFill>
-                  <a:srgbClr val="00B050"/>
-                </a:solidFill>
-              </a:rPr>
-              <a:t>syncthreads</a:t>
-            </a:r>
-            <a:r>
-              <a:rPr lang="en-US" altLang="ko-KR" sz="2400" dirty="0">
-                <a:solidFill>
-                  <a:srgbClr val="00B050"/>
-                </a:solidFill>
-              </a:rPr>
-              <a:t>(), the threads that executes the function call will be held at the calling location until every thread in the block reaches the location.</a:t>
-            </a:r>
-          </a:p>
-        </p:txBody>
-      </p:sp>
-    </p:spTree>
-    <p:extLst>
-      <p:ext uri="{BB962C8B-B14F-4D97-AF65-F5344CB8AC3E}">
-        <p14:creationId xmlns:p14="http://schemas.microsoft.com/office/powerpoint/2010/main" val="1186161976"/>
-      </p:ext>
-    </p:extLst>
-  </p:cSld>
-  <p:clrMapOvr>
-    <a:masterClrMapping/>
-  </p:clrMapOvr>
-</p:sld>
-</file>
-
 <file path=ppt/slides/slide29.xml><?xml version="1.0" encoding="utf-8"?>
 <p:sld xmlns:a="http://schemas.openxmlformats.org/drawingml/2006/main" xmlns:r="http://schemas.openxmlformats.org/officeDocument/2006/relationships" xmlns:p="http://schemas.openxmlformats.org/presentationml/2006/main">
   <p:cSld>
@@ -10632,23 +10432,23 @@
           <a:lstStyle/>
           <a:p>
             <a:r>
-              <a:rPr lang="en-US" altLang="ko-KR" sz="1600" dirty="0"/>
+              <a:rPr lang="en-US" altLang="ko-KR" sz="2000" dirty="0"/>
               <a:t>for( </a:t>
             </a:r>
             <a:r>
-              <a:rPr lang="en-US" altLang="ko-KR" sz="1600" dirty="0" err="1"/>
+              <a:rPr lang="en-US" altLang="ko-KR" sz="2000" dirty="0" err="1"/>
               <a:t>int</a:t>
             </a:r>
             <a:r>
-              <a:rPr lang="en-US" altLang="ko-KR" sz="1600" dirty="0"/>
+              <a:rPr lang="en-US" altLang="ko-KR" sz="2000" dirty="0"/>
               <a:t> stride=</a:t>
             </a:r>
             <a:r>
-              <a:rPr lang="en-US" altLang="ko-KR" sz="1600" dirty="0" err="1"/>
+              <a:rPr lang="en-US" altLang="ko-KR" sz="2000" dirty="0" err="1"/>
               <a:t>blockDim.x</a:t>
             </a:r>
             <a:r>
-              <a:rPr lang="en-US" altLang="ko-KR" sz="1600" dirty="0"/>
+              <a:rPr lang="en-US" altLang="ko-KR" sz="2000" dirty="0"/>
               <a:t>/2; stride &gt; 0; s&gt;&gt;=1){</a:t>
             </a:r>
           </a:p>
@@ -10657,15 +10457,15 @@
               <a:buNone/>
             </a:pPr>
             <a:r>
-              <a:rPr lang="en-US" altLang="ko-KR" sz="1600" dirty="0"/>
+              <a:rPr lang="en-US" altLang="ko-KR" sz="2000" dirty="0"/>
               <a:t>      if(</a:t>
             </a:r>
             <a:r>
-              <a:rPr lang="en-US" altLang="ko-KR" sz="1600" dirty="0" err="1"/>
+              <a:rPr lang="en-US" altLang="ko-KR" sz="2000" dirty="0" err="1"/>
               <a:t>tid</a:t>
             </a:r>
             <a:r>
-              <a:rPr lang="en-US" altLang="ko-KR" sz="1600" dirty="0"/>
+              <a:rPr lang="en-US" altLang="ko-KR" sz="2000" dirty="0"/>
               <a:t> &lt; stride)</a:t>
             </a:r>
           </a:p>
@@ -10674,39 +10474,39 @@
               <a:buNone/>
             </a:pPr>
             <a:r>
-              <a:rPr lang="en-US" altLang="ko-KR" sz="1600" dirty="0"/>
+              <a:rPr lang="en-US" altLang="ko-KR" sz="2000" dirty="0"/>
               <a:t>      {    </a:t>
             </a:r>
             <a:r>
-              <a:rPr lang="en-US" altLang="ko-KR" sz="1600" dirty="0" err="1"/>
+              <a:rPr lang="en-US" altLang="ko-KR" sz="2000" dirty="0" err="1"/>
               <a:t>idata</a:t>
             </a:r>
             <a:r>
-              <a:rPr lang="en-US" altLang="ko-KR" sz="1600" dirty="0"/>
+              <a:rPr lang="en-US" altLang="ko-KR" sz="2000" dirty="0"/>
               <a:t>[</a:t>
             </a:r>
             <a:r>
-              <a:rPr lang="en-US" altLang="ko-KR" sz="1600" dirty="0" err="1"/>
+              <a:rPr lang="en-US" altLang="ko-KR" sz="2000" dirty="0" err="1"/>
               <a:t>tid</a:t>
             </a:r>
             <a:r>
-              <a:rPr lang="en-US" altLang="ko-KR" sz="1600" dirty="0"/>
+              <a:rPr lang="en-US" altLang="ko-KR" sz="2000" dirty="0"/>
               <a:t>]+=</a:t>
             </a:r>
             <a:r>
-              <a:rPr lang="en-US" altLang="ko-KR" sz="1600" dirty="0" err="1"/>
+              <a:rPr lang="en-US" altLang="ko-KR" sz="2000" dirty="0" err="1"/>
               <a:t>idata</a:t>
             </a:r>
             <a:r>
-              <a:rPr lang="en-US" altLang="ko-KR" sz="1600" dirty="0"/>
+              <a:rPr lang="en-US" altLang="ko-KR" sz="2000" dirty="0"/>
               <a:t>[</a:t>
             </a:r>
             <a:r>
-              <a:rPr lang="en-US" altLang="ko-KR" sz="1600" dirty="0" err="1"/>
+              <a:rPr lang="en-US" altLang="ko-KR" sz="2000" dirty="0" err="1"/>
               <a:t>tid+stride</a:t>
             </a:r>
             <a:r>
-              <a:rPr lang="en-US" altLang="ko-KR" sz="1600" dirty="0"/>
+              <a:rPr lang="en-US" altLang="ko-KR" sz="2000" dirty="0"/>
               <a:t>]; }</a:t>
             </a:r>
           </a:p>
@@ -10715,15 +10515,15 @@
               <a:buNone/>
             </a:pPr>
             <a:r>
-              <a:rPr lang="en-US" altLang="ko-KR" sz="1600" dirty="0"/>
+              <a:rPr lang="en-US" altLang="ko-KR" sz="2000" dirty="0"/>
               <a:t>    __</a:t>
             </a:r>
             <a:r>
-              <a:rPr lang="en-US" altLang="ko-KR" sz="1600" dirty="0" err="1"/>
+              <a:rPr lang="en-US" altLang="ko-KR" sz="2000" dirty="0" err="1"/>
               <a:t>syncthreads</a:t>
             </a:r>
             <a:r>
-              <a:rPr lang="en-US" altLang="ko-KR" sz="1600" dirty="0"/>
+              <a:rPr lang="en-US" altLang="ko-KR" sz="2000" dirty="0"/>
               <a:t>( );</a:t>
             </a:r>
           </a:p>
@@ -10732,264 +10532,97 @@
               <a:buNone/>
             </a:pPr>
             <a:r>
-              <a:rPr lang="en-US" altLang="ko-KR" sz="1600" dirty="0"/>
+              <a:rPr lang="en-US" altLang="ko-KR" sz="2000" dirty="0"/>
               <a:t>    }</a:t>
+            </a:r>
+          </a:p>
+          <a:p>
+            <a:r>
+              <a:rPr lang="en-US" altLang="ko-KR" sz="2000" dirty="0"/>
+              <a:t>if (stride &lt;=32), there will be only one warp remained. </a:t>
+            </a:r>
+          </a:p>
+          <a:p>
+            <a:r>
+              <a:rPr lang="en-US" altLang="ko-KR" sz="2000" dirty="0"/>
+              <a:t>If there is only one warp in a block,  __</a:t>
+            </a:r>
+            <a:r>
+              <a:rPr lang="en-US" altLang="ko-KR" sz="2000" dirty="0" err="1"/>
+              <a:t>syncthreads</a:t>
+            </a:r>
+            <a:r>
+              <a:rPr lang="en-US" altLang="ko-KR" sz="2000" dirty="0"/>
+              <a:t>( ); is not necessary, since all threads in a warp are all synchronized.</a:t>
+            </a:r>
+          </a:p>
+          <a:p>
+            <a:r>
+              <a:rPr lang="en-US" altLang="ko-KR" sz="2000" dirty="0"/>
+              <a:t>Cause warp execution is SIMT, there is implicit intra-warp synchronization after each instruction.</a:t>
+            </a:r>
+          </a:p>
+          <a:p>
+            <a:r>
+              <a:rPr lang="en-US" altLang="ko-KR" sz="2000" dirty="0">
+                <a:solidFill>
+                  <a:srgbClr val="00B050"/>
+                </a:solidFill>
+              </a:rPr>
+              <a:t>__</a:t>
+            </a:r>
+            <a:r>
+              <a:rPr lang="en-US" altLang="ko-KR" sz="2000" dirty="0" err="1">
+                <a:solidFill>
+                  <a:srgbClr val="00B050"/>
+                </a:solidFill>
+              </a:rPr>
+              <a:t>syncthreads</a:t>
+            </a:r>
+            <a:r>
+              <a:rPr lang="en-US" altLang="ko-KR" sz="2000" dirty="0">
+                <a:solidFill>
+                  <a:srgbClr val="00B050"/>
+                </a:solidFill>
+              </a:rPr>
+              <a:t>( ): </a:t>
             </a:r>
           </a:p>
           <a:p>
             <a:pPr marL="0" indent="0">
               <a:buNone/>
             </a:pPr>
-            <a:endParaRPr lang="en-US" altLang="ko-KR" sz="1600" dirty="0"/>
-          </a:p>
-          <a:p>
-            <a:r>
-              <a:rPr lang="en-US" altLang="ko-KR" sz="1600" dirty="0"/>
-              <a:t>when stride &lt;=32, the for–loop can be unrolled as follows:</a:t>
-            </a:r>
-          </a:p>
-          <a:p>
-            <a:pPr marL="0" indent="0">
-              <a:buNone/>
-            </a:pPr>
-            <a:r>
-              <a:rPr lang="en-US" altLang="ko-KR" sz="1600" dirty="0"/>
-              <a:t>      if( </a:t>
-            </a:r>
-            <a:r>
-              <a:rPr lang="en-US" altLang="ko-KR" sz="1600" dirty="0" err="1"/>
-              <a:t>tid</a:t>
-            </a:r>
-            <a:r>
-              <a:rPr lang="en-US" altLang="ko-KR" sz="1600" dirty="0"/>
-              <a:t> &lt; 32) {</a:t>
-            </a:r>
-          </a:p>
-          <a:p>
-            <a:pPr marL="0" indent="0">
-              <a:buNone/>
-            </a:pPr>
-            <a:r>
-              <a:rPr lang="en-US" altLang="ko-KR" sz="1600" dirty="0"/>
-              <a:t>	</a:t>
-            </a:r>
-            <a:r>
-              <a:rPr lang="en-US" altLang="ko-KR" sz="1600" dirty="0" err="1"/>
-              <a:t>idata</a:t>
-            </a:r>
-            <a:r>
-              <a:rPr lang="en-US" altLang="ko-KR" sz="1600" dirty="0"/>
-              <a:t>[</a:t>
-            </a:r>
-            <a:r>
-              <a:rPr lang="en-US" altLang="ko-KR" sz="1600" dirty="0" err="1"/>
-              <a:t>tid</a:t>
-            </a:r>
-            <a:r>
-              <a:rPr lang="en-US" altLang="ko-KR" sz="1600" dirty="0"/>
-              <a:t>] +=</a:t>
-            </a:r>
-            <a:r>
-              <a:rPr lang="en-US" altLang="ko-KR" sz="1600" dirty="0" err="1"/>
-              <a:t>idata</a:t>
-            </a:r>
-            <a:r>
-              <a:rPr lang="en-US" altLang="ko-KR" sz="1600" dirty="0"/>
-              <a:t>[tid+32];</a:t>
-            </a:r>
-          </a:p>
-          <a:p>
-            <a:pPr marL="0" indent="0">
-              <a:buNone/>
-            </a:pPr>
-            <a:r>
-              <a:rPr lang="en-US" altLang="ko-KR" sz="1600" dirty="0"/>
-              <a:t>	</a:t>
-            </a:r>
-            <a:r>
-              <a:rPr lang="en-US" altLang="ko-KR" sz="1600" dirty="0" err="1"/>
-              <a:t>idata</a:t>
-            </a:r>
-            <a:r>
-              <a:rPr lang="en-US" altLang="ko-KR" sz="1600" dirty="0"/>
-              <a:t>[</a:t>
-            </a:r>
-            <a:r>
-              <a:rPr lang="en-US" altLang="ko-KR" sz="1600" dirty="0" err="1"/>
-              <a:t>tid</a:t>
-            </a:r>
-            <a:r>
-              <a:rPr lang="en-US" altLang="ko-KR" sz="1600" dirty="0"/>
-              <a:t>] +=</a:t>
-            </a:r>
-            <a:r>
-              <a:rPr lang="en-US" altLang="ko-KR" sz="1600" dirty="0" err="1"/>
-              <a:t>idata</a:t>
-            </a:r>
-            <a:r>
-              <a:rPr lang="en-US" altLang="ko-KR" sz="1600" dirty="0"/>
-              <a:t>[tid+16];</a:t>
-            </a:r>
-          </a:p>
-          <a:p>
-            <a:pPr marL="0" indent="0">
-              <a:buNone/>
-            </a:pPr>
-            <a:r>
-              <a:rPr lang="en-US" altLang="ko-KR" sz="1600" dirty="0"/>
-              <a:t>	</a:t>
-            </a:r>
-            <a:r>
-              <a:rPr lang="en-US" altLang="ko-KR" sz="1600" dirty="0" err="1"/>
-              <a:t>idata</a:t>
-            </a:r>
-            <a:r>
-              <a:rPr lang="en-US" altLang="ko-KR" sz="1600" dirty="0"/>
-              <a:t>[</a:t>
-            </a:r>
-            <a:r>
-              <a:rPr lang="en-US" altLang="ko-KR" sz="1600" dirty="0" err="1"/>
-              <a:t>tid</a:t>
-            </a:r>
-            <a:r>
-              <a:rPr lang="en-US" altLang="ko-KR" sz="1600" dirty="0"/>
-              <a:t>] +=</a:t>
-            </a:r>
-            <a:r>
-              <a:rPr lang="en-US" altLang="ko-KR" sz="1600" dirty="0" err="1"/>
-              <a:t>idata</a:t>
-            </a:r>
-            <a:r>
-              <a:rPr lang="en-US" altLang="ko-KR" sz="1600" dirty="0"/>
-              <a:t>[tid+8];</a:t>
-            </a:r>
-          </a:p>
-          <a:p>
-            <a:pPr marL="0" indent="0">
-              <a:buNone/>
-            </a:pPr>
-            <a:r>
-              <a:rPr lang="en-US" altLang="ko-KR" sz="1600" dirty="0"/>
-              <a:t>	</a:t>
-            </a:r>
-            <a:r>
-              <a:rPr lang="en-US" altLang="ko-KR" sz="1600" dirty="0" err="1"/>
-              <a:t>idata</a:t>
-            </a:r>
-            <a:r>
-              <a:rPr lang="en-US" altLang="ko-KR" sz="1600" dirty="0"/>
-              <a:t>[</a:t>
-            </a:r>
-            <a:r>
-              <a:rPr lang="en-US" altLang="ko-KR" sz="1600" dirty="0" err="1"/>
-              <a:t>tid</a:t>
-            </a:r>
-            <a:r>
-              <a:rPr lang="en-US" altLang="ko-KR" sz="1600" dirty="0"/>
-              <a:t>] +=</a:t>
-            </a:r>
-            <a:r>
-              <a:rPr lang="en-US" altLang="ko-KR" sz="1600" dirty="0" err="1"/>
-              <a:t>idata</a:t>
-            </a:r>
-            <a:r>
-              <a:rPr lang="en-US" altLang="ko-KR" sz="1600" dirty="0"/>
-              <a:t>[tid+4];</a:t>
-            </a:r>
-          </a:p>
-          <a:p>
-            <a:pPr marL="0" indent="0">
-              <a:buNone/>
-            </a:pPr>
-            <a:r>
-              <a:rPr lang="en-US" altLang="ko-KR" sz="1600" dirty="0"/>
-              <a:t>	</a:t>
-            </a:r>
-            <a:r>
-              <a:rPr lang="en-US" altLang="ko-KR" sz="1600" dirty="0" err="1"/>
-              <a:t>idata</a:t>
-            </a:r>
-            <a:r>
-              <a:rPr lang="en-US" altLang="ko-KR" sz="1600" dirty="0"/>
-              <a:t>[</a:t>
-            </a:r>
-            <a:r>
-              <a:rPr lang="en-US" altLang="ko-KR" sz="1600" dirty="0" err="1"/>
-              <a:t>tid</a:t>
-            </a:r>
-            <a:r>
-              <a:rPr lang="en-US" altLang="ko-KR" sz="1600" dirty="0"/>
-              <a:t>] +=</a:t>
-            </a:r>
-            <a:r>
-              <a:rPr lang="en-US" altLang="ko-KR" sz="1600" dirty="0" err="1"/>
-              <a:t>idata</a:t>
-            </a:r>
-            <a:r>
-              <a:rPr lang="en-US" altLang="ko-KR" sz="1600" dirty="0"/>
-              <a:t>[tid+2];</a:t>
-            </a:r>
-          </a:p>
-          <a:p>
-            <a:pPr marL="0" indent="0">
-              <a:buNone/>
-            </a:pPr>
-            <a:r>
-              <a:rPr lang="en-US" altLang="ko-KR" sz="1600" dirty="0"/>
-              <a:t>	</a:t>
-            </a:r>
-            <a:r>
-              <a:rPr lang="en-US" altLang="ko-KR" sz="1600" dirty="0" err="1"/>
-              <a:t>idata</a:t>
-            </a:r>
-            <a:r>
-              <a:rPr lang="en-US" altLang="ko-KR" sz="1600" dirty="0"/>
-              <a:t>[</a:t>
-            </a:r>
-            <a:r>
-              <a:rPr lang="en-US" altLang="ko-KR" sz="1600" dirty="0" err="1"/>
-              <a:t>tid</a:t>
-            </a:r>
-            <a:r>
-              <a:rPr lang="en-US" altLang="ko-KR" sz="1600" dirty="0"/>
-              <a:t>] +=</a:t>
-            </a:r>
-            <a:r>
-              <a:rPr lang="en-US" altLang="ko-KR" sz="1600" dirty="0" err="1"/>
-              <a:t>idata</a:t>
-            </a:r>
-            <a:r>
-              <a:rPr lang="en-US" altLang="ko-KR" sz="1600" dirty="0"/>
-              <a:t>[tid+1];</a:t>
-            </a:r>
-          </a:p>
-          <a:p>
-            <a:pPr marL="0" indent="0">
-              <a:buNone/>
-            </a:pPr>
-            <a:r>
-              <a:rPr lang="en-US" altLang="ko-KR" sz="1600" dirty="0"/>
-              <a:t>       }</a:t>
-            </a:r>
-          </a:p>
-          <a:p>
-            <a:pPr marL="0" indent="0">
-              <a:buNone/>
-            </a:pPr>
-            <a:r>
-              <a:rPr lang="en-US" altLang="ko-KR" sz="1600" dirty="0"/>
-              <a:t>      </a:t>
-            </a:r>
-          </a:p>
-          <a:p>
-            <a:endParaRPr lang="ko-KR" altLang="en-US" sz="1600" dirty="0"/>
+            <a:r>
+              <a:rPr lang="en-US" altLang="ko-KR" sz="2000" dirty="0">
+                <a:solidFill>
+                  <a:srgbClr val="00B050"/>
+                </a:solidFill>
+              </a:rPr>
+              <a:t>    When a kernel calls __</a:t>
+            </a:r>
+            <a:r>
+              <a:rPr lang="en-US" altLang="ko-KR" sz="2000" dirty="0" err="1">
+                <a:solidFill>
+                  <a:srgbClr val="00B050"/>
+                </a:solidFill>
+              </a:rPr>
+              <a:t>syncthreads</a:t>
+            </a:r>
+            <a:r>
+              <a:rPr lang="en-US" altLang="ko-KR" sz="2000" dirty="0">
+                <a:solidFill>
+                  <a:srgbClr val="00B050"/>
+                </a:solidFill>
+              </a:rPr>
+              <a:t>(), the threads that executes the function call will be held at the calling location until every thread in the block reaches the location.</a:t>
+            </a:r>
           </a:p>
         </p:txBody>
       </p:sp>
     </p:spTree>
     <p:extLst>
       <p:ext uri="{BB962C8B-B14F-4D97-AF65-F5344CB8AC3E}">
-        <p14:creationId xmlns:p14="http://schemas.microsoft.com/office/powerpoint/2010/main" val="2482891391"/>
+        <p14:creationId xmlns:p14="http://schemas.microsoft.com/office/powerpoint/2010/main" val="1186161976"/>
       </p:ext>
     </p:extLst>
   </p:cSld>
@@ -11176,7 +10809,7 @@
           <a:p>
             <a:r>
               <a:rPr lang="en-US" altLang="ko-KR" dirty="0"/>
-              <a:t>volatile qualifier</a:t>
+              <a:t>Unrolled warp</a:t>
             </a:r>
             <a:endParaRPr lang="ko-KR" altLang="en-US" dirty="0"/>
           </a:p>
@@ -11197,6 +10830,539 @@
           <a:bodyPr/>
           <a:lstStyle/>
           <a:p>
+            <a:r>
+              <a:rPr lang="en-US" altLang="ko-KR" sz="1600" dirty="0"/>
+              <a:t>for( </a:t>
+            </a:r>
+            <a:r>
+              <a:rPr lang="en-US" altLang="ko-KR" sz="1600" dirty="0" err="1"/>
+              <a:t>int</a:t>
+            </a:r>
+            <a:r>
+              <a:rPr lang="en-US" altLang="ko-KR" sz="1600" dirty="0"/>
+              <a:t> stride=</a:t>
+            </a:r>
+            <a:r>
+              <a:rPr lang="en-US" altLang="ko-KR" sz="1600" dirty="0" err="1"/>
+              <a:t>blockDim.x</a:t>
+            </a:r>
+            <a:r>
+              <a:rPr lang="en-US" altLang="ko-KR" sz="1600" dirty="0"/>
+              <a:t>/2; stride &gt; 0; s&gt;&gt;=1){</a:t>
+            </a:r>
+          </a:p>
+          <a:p>
+            <a:pPr marL="0" indent="0">
+              <a:buNone/>
+            </a:pPr>
+            <a:r>
+              <a:rPr lang="en-US" altLang="ko-KR" sz="1600" dirty="0"/>
+              <a:t>      if(</a:t>
+            </a:r>
+            <a:r>
+              <a:rPr lang="en-US" altLang="ko-KR" sz="1600" dirty="0" err="1"/>
+              <a:t>tid</a:t>
+            </a:r>
+            <a:r>
+              <a:rPr lang="en-US" altLang="ko-KR" sz="1600" dirty="0"/>
+              <a:t> &lt; stride)</a:t>
+            </a:r>
+          </a:p>
+          <a:p>
+            <a:pPr marL="0" indent="0">
+              <a:buNone/>
+            </a:pPr>
+            <a:r>
+              <a:rPr lang="en-US" altLang="ko-KR" sz="1600" dirty="0"/>
+              <a:t>      {    </a:t>
+            </a:r>
+            <a:r>
+              <a:rPr lang="en-US" altLang="ko-KR" sz="1600" dirty="0" err="1"/>
+              <a:t>idata</a:t>
+            </a:r>
+            <a:r>
+              <a:rPr lang="en-US" altLang="ko-KR" sz="1600" dirty="0"/>
+              <a:t>[</a:t>
+            </a:r>
+            <a:r>
+              <a:rPr lang="en-US" altLang="ko-KR" sz="1600" dirty="0" err="1"/>
+              <a:t>tid</a:t>
+            </a:r>
+            <a:r>
+              <a:rPr lang="en-US" altLang="ko-KR" sz="1600" dirty="0"/>
+              <a:t>]+=</a:t>
+            </a:r>
+            <a:r>
+              <a:rPr lang="en-US" altLang="ko-KR" sz="1600" dirty="0" err="1"/>
+              <a:t>idata</a:t>
+            </a:r>
+            <a:r>
+              <a:rPr lang="en-US" altLang="ko-KR" sz="1600" dirty="0"/>
+              <a:t>[</a:t>
+            </a:r>
+            <a:r>
+              <a:rPr lang="en-US" altLang="ko-KR" sz="1600" dirty="0" err="1"/>
+              <a:t>tid+stride</a:t>
+            </a:r>
+            <a:r>
+              <a:rPr lang="en-US" altLang="ko-KR" sz="1600" dirty="0"/>
+              <a:t>]; }</a:t>
+            </a:r>
+          </a:p>
+          <a:p>
+            <a:pPr marL="0" indent="0">
+              <a:buNone/>
+            </a:pPr>
+            <a:r>
+              <a:rPr lang="en-US" altLang="ko-KR" sz="1600" dirty="0"/>
+              <a:t>    __</a:t>
+            </a:r>
+            <a:r>
+              <a:rPr lang="en-US" altLang="ko-KR" sz="1600" dirty="0" err="1"/>
+              <a:t>syncthreads</a:t>
+            </a:r>
+            <a:r>
+              <a:rPr lang="en-US" altLang="ko-KR" sz="1600" dirty="0"/>
+              <a:t>( );</a:t>
+            </a:r>
+          </a:p>
+          <a:p>
+            <a:pPr marL="0" indent="0">
+              <a:buNone/>
+            </a:pPr>
+            <a:r>
+              <a:rPr lang="en-US" altLang="ko-KR" sz="1600" dirty="0"/>
+              <a:t>    }</a:t>
+            </a:r>
+          </a:p>
+          <a:p>
+            <a:r>
+              <a:rPr lang="en-US" altLang="ko-KR" sz="1600" dirty="0"/>
+              <a:t>when stride &lt;=32, the for–loop can be unrolled as follows:</a:t>
+            </a:r>
+          </a:p>
+          <a:p>
+            <a:pPr marL="0" indent="0">
+              <a:buNone/>
+            </a:pPr>
+            <a:r>
+              <a:rPr lang="en-US" altLang="ko-KR" sz="1600" dirty="0"/>
+              <a:t>      if( </a:t>
+            </a:r>
+            <a:r>
+              <a:rPr lang="en-US" altLang="ko-KR" sz="1600" dirty="0" err="1"/>
+              <a:t>tid</a:t>
+            </a:r>
+            <a:r>
+              <a:rPr lang="en-US" altLang="ko-KR" sz="1600" dirty="0"/>
+              <a:t> &lt; 32) {</a:t>
+            </a:r>
+          </a:p>
+          <a:p>
+            <a:pPr marL="0" indent="0">
+              <a:buNone/>
+            </a:pPr>
+            <a:r>
+              <a:rPr lang="en-US" altLang="ko-KR" sz="1600" dirty="0"/>
+              <a:t>	</a:t>
+            </a:r>
+            <a:r>
+              <a:rPr lang="en-US" altLang="ko-KR" sz="1600" dirty="0" err="1"/>
+              <a:t>idata</a:t>
+            </a:r>
+            <a:r>
+              <a:rPr lang="en-US" altLang="ko-KR" sz="1600" dirty="0"/>
+              <a:t>[</a:t>
+            </a:r>
+            <a:r>
+              <a:rPr lang="en-US" altLang="ko-KR" sz="1600" dirty="0" err="1"/>
+              <a:t>tid</a:t>
+            </a:r>
+            <a:r>
+              <a:rPr lang="en-US" altLang="ko-KR" sz="1600" dirty="0"/>
+              <a:t>] +=</a:t>
+            </a:r>
+            <a:r>
+              <a:rPr lang="en-US" altLang="ko-KR" sz="1600" dirty="0" err="1"/>
+              <a:t>idata</a:t>
+            </a:r>
+            <a:r>
+              <a:rPr lang="en-US" altLang="ko-KR" sz="1600" dirty="0"/>
+              <a:t>[tid+32];</a:t>
+            </a:r>
+          </a:p>
+          <a:p>
+            <a:pPr marL="0" indent="0">
+              <a:buNone/>
+            </a:pPr>
+            <a:r>
+              <a:rPr lang="en-US" altLang="ko-KR" sz="1600" dirty="0"/>
+              <a:t>	</a:t>
+            </a:r>
+            <a:r>
+              <a:rPr lang="en-US" altLang="ko-KR" sz="1600" dirty="0" err="1"/>
+              <a:t>idata</a:t>
+            </a:r>
+            <a:r>
+              <a:rPr lang="en-US" altLang="ko-KR" sz="1600" dirty="0"/>
+              <a:t>[</a:t>
+            </a:r>
+            <a:r>
+              <a:rPr lang="en-US" altLang="ko-KR" sz="1600" dirty="0" err="1"/>
+              <a:t>tid</a:t>
+            </a:r>
+            <a:r>
+              <a:rPr lang="en-US" altLang="ko-KR" sz="1600" dirty="0"/>
+              <a:t>] +=</a:t>
+            </a:r>
+            <a:r>
+              <a:rPr lang="en-US" altLang="ko-KR" sz="1600" dirty="0" err="1"/>
+              <a:t>idata</a:t>
+            </a:r>
+            <a:r>
+              <a:rPr lang="en-US" altLang="ko-KR" sz="1600" dirty="0"/>
+              <a:t>[tid+16];</a:t>
+            </a:r>
+          </a:p>
+          <a:p>
+            <a:pPr marL="0" indent="0">
+              <a:buNone/>
+            </a:pPr>
+            <a:r>
+              <a:rPr lang="en-US" altLang="ko-KR" sz="1600" dirty="0"/>
+              <a:t>	</a:t>
+            </a:r>
+            <a:r>
+              <a:rPr lang="en-US" altLang="ko-KR" sz="1600" dirty="0" err="1"/>
+              <a:t>idata</a:t>
+            </a:r>
+            <a:r>
+              <a:rPr lang="en-US" altLang="ko-KR" sz="1600" dirty="0"/>
+              <a:t>[</a:t>
+            </a:r>
+            <a:r>
+              <a:rPr lang="en-US" altLang="ko-KR" sz="1600" dirty="0" err="1"/>
+              <a:t>tid</a:t>
+            </a:r>
+            <a:r>
+              <a:rPr lang="en-US" altLang="ko-KR" sz="1600" dirty="0"/>
+              <a:t>] +=</a:t>
+            </a:r>
+            <a:r>
+              <a:rPr lang="en-US" altLang="ko-KR" sz="1600" dirty="0" err="1"/>
+              <a:t>idata</a:t>
+            </a:r>
+            <a:r>
+              <a:rPr lang="en-US" altLang="ko-KR" sz="1600" dirty="0"/>
+              <a:t>[tid+8];</a:t>
+            </a:r>
+          </a:p>
+          <a:p>
+            <a:pPr marL="0" indent="0">
+              <a:buNone/>
+            </a:pPr>
+            <a:r>
+              <a:rPr lang="en-US" altLang="ko-KR" sz="1600" dirty="0"/>
+              <a:t>	</a:t>
+            </a:r>
+            <a:r>
+              <a:rPr lang="en-US" altLang="ko-KR" sz="1600" dirty="0" err="1"/>
+              <a:t>idata</a:t>
+            </a:r>
+            <a:r>
+              <a:rPr lang="en-US" altLang="ko-KR" sz="1600" dirty="0"/>
+              <a:t>[</a:t>
+            </a:r>
+            <a:r>
+              <a:rPr lang="en-US" altLang="ko-KR" sz="1600" dirty="0" err="1"/>
+              <a:t>tid</a:t>
+            </a:r>
+            <a:r>
+              <a:rPr lang="en-US" altLang="ko-KR" sz="1600" dirty="0"/>
+              <a:t>] +=</a:t>
+            </a:r>
+            <a:r>
+              <a:rPr lang="en-US" altLang="ko-KR" sz="1600" dirty="0" err="1"/>
+              <a:t>idata</a:t>
+            </a:r>
+            <a:r>
+              <a:rPr lang="en-US" altLang="ko-KR" sz="1600" dirty="0"/>
+              <a:t>[tid+4];</a:t>
+            </a:r>
+          </a:p>
+          <a:p>
+            <a:pPr marL="0" indent="0">
+              <a:buNone/>
+            </a:pPr>
+            <a:r>
+              <a:rPr lang="en-US" altLang="ko-KR" sz="1600" dirty="0"/>
+              <a:t>	</a:t>
+            </a:r>
+            <a:r>
+              <a:rPr lang="en-US" altLang="ko-KR" sz="1600" dirty="0" err="1"/>
+              <a:t>idata</a:t>
+            </a:r>
+            <a:r>
+              <a:rPr lang="en-US" altLang="ko-KR" sz="1600" dirty="0"/>
+              <a:t>[</a:t>
+            </a:r>
+            <a:r>
+              <a:rPr lang="en-US" altLang="ko-KR" sz="1600" dirty="0" err="1"/>
+              <a:t>tid</a:t>
+            </a:r>
+            <a:r>
+              <a:rPr lang="en-US" altLang="ko-KR" sz="1600" dirty="0"/>
+              <a:t>] +=</a:t>
+            </a:r>
+            <a:r>
+              <a:rPr lang="en-US" altLang="ko-KR" sz="1600" dirty="0" err="1"/>
+              <a:t>idata</a:t>
+            </a:r>
+            <a:r>
+              <a:rPr lang="en-US" altLang="ko-KR" sz="1600" dirty="0"/>
+              <a:t>[tid+2];</a:t>
+            </a:r>
+          </a:p>
+          <a:p>
+            <a:pPr marL="0" indent="0">
+              <a:buNone/>
+            </a:pPr>
+            <a:r>
+              <a:rPr lang="en-US" altLang="ko-KR" sz="1600" dirty="0"/>
+              <a:t>	</a:t>
+            </a:r>
+            <a:r>
+              <a:rPr lang="en-US" altLang="ko-KR" sz="1600" dirty="0" err="1"/>
+              <a:t>idata</a:t>
+            </a:r>
+            <a:r>
+              <a:rPr lang="en-US" altLang="ko-KR" sz="1600" dirty="0"/>
+              <a:t>[</a:t>
+            </a:r>
+            <a:r>
+              <a:rPr lang="en-US" altLang="ko-KR" sz="1600" dirty="0" err="1"/>
+              <a:t>tid</a:t>
+            </a:r>
+            <a:r>
+              <a:rPr lang="en-US" altLang="ko-KR" sz="1600" dirty="0"/>
+              <a:t>] +=</a:t>
+            </a:r>
+            <a:r>
+              <a:rPr lang="en-US" altLang="ko-KR" sz="1600" dirty="0" err="1"/>
+              <a:t>idata</a:t>
+            </a:r>
+            <a:r>
+              <a:rPr lang="en-US" altLang="ko-KR" sz="1600" dirty="0"/>
+              <a:t>[tid+1];</a:t>
+            </a:r>
+          </a:p>
+          <a:p>
+            <a:pPr marL="0" indent="0">
+              <a:buNone/>
+            </a:pPr>
+            <a:r>
+              <a:rPr lang="en-US" altLang="ko-KR" sz="1600" dirty="0"/>
+              <a:t>       }</a:t>
+            </a:r>
+          </a:p>
+          <a:p>
+            <a:pPr marL="0" indent="0">
+              <a:buNone/>
+            </a:pPr>
+            <a:r>
+              <a:rPr lang="en-US" altLang="ko-KR" sz="1600" dirty="0"/>
+              <a:t> </a:t>
+            </a:r>
+          </a:p>
+          <a:p>
+            <a:pPr marL="0" indent="0">
+              <a:buNone/>
+            </a:pPr>
+            <a:r>
+              <a:rPr lang="en-US" altLang="ko-KR" sz="1600" dirty="0"/>
+              <a:t>     </a:t>
+            </a:r>
+          </a:p>
+          <a:p>
+            <a:endParaRPr lang="ko-KR" altLang="en-US" sz="1600" dirty="0"/>
+          </a:p>
+        </p:txBody>
+      </p:sp>
+    </p:spTree>
+    <p:extLst>
+      <p:ext uri="{BB962C8B-B14F-4D97-AF65-F5344CB8AC3E}">
+        <p14:creationId xmlns:p14="http://schemas.microsoft.com/office/powerpoint/2010/main" val="2482891391"/>
+      </p:ext>
+    </p:extLst>
+  </p:cSld>
+  <p:clrMapOvr>
+    <a:masterClrMapping/>
+  </p:clrMapOvr>
+</p:sld>
+</file>
+
+<file path=ppt/slides/slide31.xml><?xml version="1.0" encoding="utf-8"?>
+<p:sld xmlns:a="http://schemas.openxmlformats.org/drawingml/2006/main" xmlns:r="http://schemas.openxmlformats.org/officeDocument/2006/relationships" xmlns:p="http://schemas.openxmlformats.org/presentationml/2006/main">
+  <p:cSld>
+    <p:spTree>
+      <p:nvGrpSpPr>
+        <p:cNvPr id="1" name=""/>
+        <p:cNvGrpSpPr/>
+        <p:nvPr/>
+      </p:nvGrpSpPr>
+      <p:grpSpPr>
+        <a:xfrm>
+          <a:off x="0" y="0"/>
+          <a:ext cx="0" cy="0"/>
+          <a:chOff x="0" y="0"/>
+          <a:chExt cx="0" cy="0"/>
+        </a:xfrm>
+      </p:grpSpPr>
+      <p:sp>
+        <p:nvSpPr>
+          <p:cNvPr id="2" name="제목 1"/>
+          <p:cNvSpPr>
+            <a:spLocks noGrp="1"/>
+          </p:cNvSpPr>
+          <p:nvPr>
+            <p:ph type="title"/>
+          </p:nvPr>
+        </p:nvSpPr>
+        <p:spPr/>
+        <p:txBody>
+          <a:bodyPr/>
+          <a:lstStyle/>
+          <a:p>
+            <a:r>
+              <a:rPr lang="en-US" altLang="ko-KR" dirty="0"/>
+              <a:t>Unrolled warp</a:t>
+            </a:r>
+            <a:endParaRPr lang="ko-KR" altLang="en-US" dirty="0"/>
+          </a:p>
+        </p:txBody>
+      </p:sp>
+      <p:sp>
+        <p:nvSpPr>
+          <p:cNvPr id="3" name="내용 개체 틀 2"/>
+          <p:cNvSpPr>
+            <a:spLocks noGrp="1"/>
+          </p:cNvSpPr>
+          <p:nvPr>
+            <p:ph idx="1"/>
+          </p:nvPr>
+        </p:nvSpPr>
+        <p:spPr/>
+        <p:txBody>
+          <a:bodyPr/>
+          <a:lstStyle/>
+          <a:p>
+            <a:pPr marL="0" indent="0">
+              <a:buNone/>
+            </a:pPr>
+            <a:r>
+              <a:rPr lang="en-US" altLang="ko-KR" sz="1600" dirty="0"/>
+              <a:t>For example </a:t>
+            </a:r>
+          </a:p>
+          <a:p>
+            <a:pPr marL="0" indent="0">
+              <a:buNone/>
+            </a:pPr>
+            <a:r>
+              <a:rPr lang="en-US" altLang="ko-KR" sz="1600" dirty="0"/>
+              <a:t> </a:t>
+            </a:r>
+            <a:r>
+              <a:rPr lang="en-US" altLang="ko-KR" sz="1600" dirty="0" err="1"/>
+              <a:t>tid</a:t>
+            </a:r>
+            <a:r>
+              <a:rPr lang="ko-KR" altLang="en-US" sz="1600" dirty="0"/>
+              <a:t> </a:t>
+            </a:r>
+            <a:r>
+              <a:rPr lang="en-US" altLang="ko-KR" sz="1600" dirty="0"/>
+              <a:t>1	            2	          3	           4	          5	      6	    7	    8</a:t>
+            </a:r>
+          </a:p>
+          <a:p>
+            <a:pPr marL="0" indent="0">
+              <a:buNone/>
+            </a:pPr>
+            <a:r>
+              <a:rPr lang="en-US" altLang="ko-KR" sz="1600" dirty="0"/>
+              <a:t>     1+5               2+6          3+7         4+8</a:t>
+            </a:r>
+          </a:p>
+          <a:p>
+            <a:pPr marL="0" indent="0">
+              <a:buNone/>
+            </a:pPr>
+            <a:r>
+              <a:rPr lang="en-US" altLang="ko-KR" sz="1600" dirty="0"/>
+              <a:t> 1+5+3+7        2+6+4+8   </a:t>
+            </a:r>
+          </a:p>
+          <a:p>
+            <a:pPr marL="0" indent="0">
+              <a:buNone/>
+            </a:pPr>
+            <a:r>
+              <a:rPr lang="en-US" altLang="ko-KR" sz="1600" dirty="0"/>
+              <a:t>1+2+3+4+5+6+7+8   </a:t>
+            </a:r>
+          </a:p>
+        </p:txBody>
+      </p:sp>
+    </p:spTree>
+    <p:extLst>
+      <p:ext uri="{BB962C8B-B14F-4D97-AF65-F5344CB8AC3E}">
+        <p14:creationId xmlns:p14="http://schemas.microsoft.com/office/powerpoint/2010/main" val="2343241917"/>
+      </p:ext>
+    </p:extLst>
+  </p:cSld>
+  <p:clrMapOvr>
+    <a:masterClrMapping/>
+  </p:clrMapOvr>
+</p:sld>
+</file>
+
+<file path=ppt/slides/slide32.xml><?xml version="1.0" encoding="utf-8"?>
+<p:sld xmlns:a="http://schemas.openxmlformats.org/drawingml/2006/main" xmlns:r="http://schemas.openxmlformats.org/officeDocument/2006/relationships" xmlns:p="http://schemas.openxmlformats.org/presentationml/2006/main">
+  <p:cSld>
+    <p:spTree>
+      <p:nvGrpSpPr>
+        <p:cNvPr id="1" name=""/>
+        <p:cNvGrpSpPr/>
+        <p:nvPr/>
+      </p:nvGrpSpPr>
+      <p:grpSpPr>
+        <a:xfrm>
+          <a:off x="0" y="0"/>
+          <a:ext cx="0" cy="0"/>
+          <a:chOff x="0" y="0"/>
+          <a:chExt cx="0" cy="0"/>
+        </a:xfrm>
+      </p:grpSpPr>
+      <p:sp>
+        <p:nvSpPr>
+          <p:cNvPr id="2" name="제목 1"/>
+          <p:cNvSpPr>
+            <a:spLocks noGrp="1"/>
+          </p:cNvSpPr>
+          <p:nvPr>
+            <p:ph type="title"/>
+          </p:nvPr>
+        </p:nvSpPr>
+        <p:spPr/>
+        <p:txBody>
+          <a:bodyPr/>
+          <a:lstStyle/>
+          <a:p>
+            <a:r>
+              <a:rPr lang="en-US" altLang="ko-KR" dirty="0"/>
+              <a:t>volatile qualifier</a:t>
+            </a:r>
             <a:endParaRPr lang="ko-KR" altLang="en-US" dirty="0"/>
           </a:p>
         </p:txBody>
@@ -11278,7 +11444,7 @@
 </p:sld>
 </file>
 
-<file path=ppt/slides/slide31.xml><?xml version="1.0" encoding="utf-8"?>
+<file path=ppt/slides/slide33.xml><?xml version="1.0" encoding="utf-8"?>
 <p:sld xmlns:a="http://schemas.openxmlformats.org/drawingml/2006/main" xmlns:r="http://schemas.openxmlformats.org/officeDocument/2006/relationships" xmlns:p="http://schemas.openxmlformats.org/presentationml/2006/main">
   <p:cSld>
     <p:spTree>
@@ -11491,7 +11657,7 @@
 </p:sld>
 </file>
 
-<file path=ppt/slides/slide32.xml><?xml version="1.0" encoding="utf-8"?>
+<file path=ppt/slides/slide34.xml><?xml version="1.0" encoding="utf-8"?>
 <p:sld xmlns:a="http://schemas.openxmlformats.org/drawingml/2006/main" xmlns:r="http://schemas.openxmlformats.org/officeDocument/2006/relationships" xmlns:p="http://schemas.openxmlformats.org/presentationml/2006/main">
   <p:cSld>
     <p:spTree>
@@ -11508,44 +11674,6 @@
           <a:chExt cx="0" cy="0"/>
         </a:xfrm>
       </p:grpSpPr>
-      <p:sp>
-        <p:nvSpPr>
-          <p:cNvPr id="2" name="제목 1"/>
-          <p:cNvSpPr>
-            <a:spLocks noGrp="1"/>
-          </p:cNvSpPr>
-          <p:nvPr>
-            <p:ph type="title"/>
-          </p:nvPr>
-        </p:nvSpPr>
-        <p:spPr/>
-        <p:txBody>
-          <a:bodyPr/>
-          <a:lstStyle/>
-          <a:p>
-            <a:endParaRPr lang="ko-KR" altLang="en-US" dirty="0"/>
-          </a:p>
-        </p:txBody>
-      </p:sp>
-      <p:sp>
-        <p:nvSpPr>
-          <p:cNvPr id="3" name="내용 개체 틀 2"/>
-          <p:cNvSpPr>
-            <a:spLocks noGrp="1"/>
-          </p:cNvSpPr>
-          <p:nvPr>
-            <p:ph idx="1"/>
-          </p:nvPr>
-        </p:nvSpPr>
-        <p:spPr/>
-        <p:txBody>
-          <a:bodyPr/>
-          <a:lstStyle/>
-          <a:p>
-            <a:endParaRPr lang="ko-KR" altLang="en-US" dirty="0"/>
-          </a:p>
-        </p:txBody>
-      </p:sp>
       <p:pic>
         <p:nvPicPr>
           <p:cNvPr id="8194" name="Picture 2"/>
@@ -11623,7 +11751,7 @@
 </p:sld>
 </file>
 
-<file path=ppt/slides/slide33.xml><?xml version="1.0" encoding="utf-8"?>
+<file path=ppt/slides/slide35.xml><?xml version="1.0" encoding="utf-8"?>
 <p:sld xmlns:a="http://schemas.openxmlformats.org/drawingml/2006/main" xmlns:r="http://schemas.openxmlformats.org/officeDocument/2006/relationships" xmlns:p="http://schemas.openxmlformats.org/presentationml/2006/main">
   <p:cSld>
     <p:spTree>
@@ -11814,7 +11942,7 @@
 </p:sld>
 </file>
 
-<file path=ppt/slides/slide34.xml><?xml version="1.0" encoding="utf-8"?>
+<file path=ppt/slides/slide36.xml><?xml version="1.0" encoding="utf-8"?>
 <p:sld xmlns:a="http://schemas.openxmlformats.org/drawingml/2006/main" xmlns:r="http://schemas.openxmlformats.org/officeDocument/2006/relationships" xmlns:p="http://schemas.openxmlformats.org/presentationml/2006/main">
   <p:cSld>
     <p:spTree>
@@ -12159,7 +12287,7 @@
             </a:r>
             <a:r>
               <a:rPr lang="en-US" altLang="ko-KR" sz="2400" dirty="0"/>
-              <a:t> &lt; 064)  </a:t>
+              <a:t> &lt; 64)  </a:t>
             </a:r>
             <a:r>
               <a:rPr lang="en-US" altLang="ko-KR" sz="2400" dirty="0" err="1"/>
@@ -12445,7 +12573,7 @@
 </p:sld>
 </file>
 
-<file path=ppt/slides/slide35.xml><?xml version="1.0" encoding="utf-8"?>
+<file path=ppt/slides/slide37.xml><?xml version="1.0" encoding="utf-8"?>
 <p:sld xmlns:a="http://schemas.openxmlformats.org/drawingml/2006/main" xmlns:r="http://schemas.openxmlformats.org/officeDocument/2006/relationships" xmlns:p="http://schemas.openxmlformats.org/presentationml/2006/main">
   <p:cSld>
     <p:spTree>
@@ -12651,7 +12779,142 @@
 </p:sld>
 </file>
 
-<file path=ppt/slides/slide36.xml><?xml version="1.0" encoding="utf-8"?>
+<file path=ppt/slides/slide38.xml><?xml version="1.0" encoding="utf-8"?>
+<p:sld xmlns:a="http://schemas.openxmlformats.org/drawingml/2006/main" xmlns:r="http://schemas.openxmlformats.org/officeDocument/2006/relationships" xmlns:p="http://schemas.openxmlformats.org/presentationml/2006/main">
+  <p:cSld>
+    <p:spTree>
+      <p:nvGrpSpPr>
+        <p:cNvPr id="1" name=""/>
+        <p:cNvGrpSpPr/>
+        <p:nvPr/>
+      </p:nvGrpSpPr>
+      <p:grpSpPr>
+        <a:xfrm>
+          <a:off x="0" y="0"/>
+          <a:ext cx="0" cy="0"/>
+          <a:chOff x="0" y="0"/>
+          <a:chExt cx="0" cy="0"/>
+        </a:xfrm>
+      </p:grpSpPr>
+      <p:sp>
+        <p:nvSpPr>
+          <p:cNvPr id="2" name="제목 1"/>
+          <p:cNvSpPr>
+            <a:spLocks noGrp="1"/>
+          </p:cNvSpPr>
+          <p:nvPr>
+            <p:ph type="title"/>
+          </p:nvPr>
+        </p:nvSpPr>
+        <p:spPr>
+          <a:xfrm>
+            <a:off x="445224" y="211137"/>
+            <a:ext cx="8229600" cy="960438"/>
+          </a:xfrm>
+        </p:spPr>
+        <p:txBody>
+          <a:bodyPr/>
+          <a:lstStyle/>
+          <a:p>
+            <a:r>
+              <a:rPr lang="en-US" altLang="ko-KR" dirty="0"/>
+              <a:t>Reducing with Template Functions</a:t>
+            </a:r>
+            <a:endParaRPr lang="ko-KR" altLang="en-US" dirty="0"/>
+          </a:p>
+        </p:txBody>
+      </p:sp>
+      <p:sp>
+        <p:nvSpPr>
+          <p:cNvPr id="3" name="내용 개체 틀 2"/>
+          <p:cNvSpPr>
+            <a:spLocks noGrp="1"/>
+          </p:cNvSpPr>
+          <p:nvPr>
+            <p:ph idx="1"/>
+          </p:nvPr>
+        </p:nvSpPr>
+        <p:spPr>
+          <a:xfrm>
+            <a:off x="539552" y="1585646"/>
+            <a:ext cx="8229600" cy="4525963"/>
+          </a:xfrm>
+        </p:spPr>
+        <p:txBody>
+          <a:bodyPr/>
+          <a:lstStyle/>
+          <a:p>
+            <a:pPr marL="0" indent="0">
+              <a:buNone/>
+            </a:pPr>
+            <a:r>
+              <a:rPr lang="en-US" altLang="ko-KR" sz="2000" dirty="0"/>
+              <a:t>While it is possible to manually unroll loops, using template functions can help to further reduce branch overhead. </a:t>
+            </a:r>
+            <a:br>
+              <a:rPr lang="en-US" altLang="ko-KR" sz="2000" dirty="0"/>
+            </a:br>
+            <a:r>
+              <a:rPr lang="en-US" altLang="ko-KR" sz="2000" dirty="0"/>
+              <a:t>The only difference compared to reduceCompleteUnrollWarps8 is that you replaced block size with a template parameter. The if statements that check the block size will be evaluated at compile</a:t>
+            </a:r>
+            <a:br>
+              <a:rPr lang="en-US" altLang="ko-KR" sz="2000" dirty="0"/>
+            </a:br>
+            <a:r>
+              <a:rPr lang="en-US" altLang="ko-KR" sz="2000" dirty="0"/>
+              <a:t>time and removed if the condition is not true, resulting in a very efficient inner loop. </a:t>
+            </a:r>
+            <a:br>
+              <a:rPr lang="en-US" altLang="ko-KR" sz="2400" dirty="0"/>
+            </a:br>
+            <a:endParaRPr lang="en-US" altLang="ko-KR" sz="2400" dirty="0"/>
+          </a:p>
+          <a:p>
+            <a:pPr marL="0" indent="0">
+              <a:buNone/>
+            </a:pPr>
+            <a:endParaRPr lang="ko-KR" altLang="en-US" sz="2400" dirty="0"/>
+          </a:p>
+        </p:txBody>
+      </p:sp>
+      <p:pic>
+        <p:nvPicPr>
+          <p:cNvPr id="6" name="그림 5"/>
+          <p:cNvPicPr>
+            <a:picLocks noChangeAspect="1"/>
+          </p:cNvPicPr>
+          <p:nvPr/>
+        </p:nvPicPr>
+        <p:blipFill rotWithShape="1">
+          <a:blip r:embed="rId2"/>
+          <a:srcRect l="11665" t="37855" r="57623" b="14345"/>
+          <a:stretch/>
+        </p:blipFill>
+        <p:spPr>
+          <a:xfrm>
+            <a:off x="1463680" y="3808629"/>
+            <a:ext cx="6192688" cy="3016951"/>
+          </a:xfrm>
+          <a:prstGeom prst="rect">
+            <a:avLst/>
+          </a:prstGeom>
+        </p:spPr>
+      </p:pic>
+    </p:spTree>
+    <p:extLst>
+      <p:ext uri="{BB962C8B-B14F-4D97-AF65-F5344CB8AC3E}">
+        <p14:creationId xmlns:p14="http://schemas.microsoft.com/office/powerpoint/2010/main" val="355308345"/>
+      </p:ext>
+    </p:extLst>
+  </p:cSld>
+  <p:clrMapOvr>
+    <a:masterClrMapping/>
+  </p:clrMapOvr>
+</p:sld>
+</file>
+
+<file path=ppt/slides/slide39.xml><?xml version="1.0" encoding="utf-8"?>
 <p:sld xmlns:a="http://schemas.openxmlformats.org/drawingml/2006/main" xmlns:r="http://schemas.openxmlformats.org/officeDocument/2006/relationships" xmlns:p="http://schemas.openxmlformats.org/presentationml/2006/main">
   <p:cSld>
     <p:spTree>
@@ -12930,7 +13193,196 @@
 </p:sld>
 </file>
 
-<file path=ppt/slides/slide37.xml><?xml version="1.0" encoding="utf-8"?>
+<file path=ppt/slides/slide4.xml><?xml version="1.0" encoding="utf-8"?>
+<p:sld xmlns:a="http://schemas.openxmlformats.org/drawingml/2006/main" xmlns:r="http://schemas.openxmlformats.org/officeDocument/2006/relationships" xmlns:p="http://schemas.openxmlformats.org/presentationml/2006/main">
+  <p:cSld>
+    <p:spTree>
+      <p:nvGrpSpPr>
+        <p:cNvPr id="1" name=""/>
+        <p:cNvGrpSpPr/>
+        <p:nvPr/>
+      </p:nvGrpSpPr>
+      <p:grpSpPr>
+        <a:xfrm>
+          <a:off x="0" y="0"/>
+          <a:ext cx="0" cy="0"/>
+          <a:chOff x="0" y="0"/>
+          <a:chExt cx="0" cy="0"/>
+        </a:xfrm>
+      </p:grpSpPr>
+      <p:sp>
+        <p:nvSpPr>
+          <p:cNvPr id="2" name="제목 1"/>
+          <p:cNvSpPr>
+            <a:spLocks noGrp="1"/>
+          </p:cNvSpPr>
+          <p:nvPr>
+            <p:ph type="title"/>
+          </p:nvPr>
+        </p:nvSpPr>
+        <p:spPr/>
+        <p:txBody>
+          <a:bodyPr/>
+          <a:lstStyle/>
+          <a:p>
+            <a:r>
+              <a:rPr lang="en-US" altLang="ko-KR" dirty="0"/>
+              <a:t>Parallel Reduction</a:t>
+            </a:r>
+            <a:endParaRPr lang="ko-KR" altLang="en-US" dirty="0"/>
+          </a:p>
+        </p:txBody>
+      </p:sp>
+      <p:pic>
+        <p:nvPicPr>
+          <p:cNvPr id="2050" name="Picture 2"/>
+          <p:cNvPicPr>
+            <a:picLocks noGrp="1" noChangeAspect="1" noChangeArrowheads="1"/>
+          </p:cNvPicPr>
+          <p:nvPr>
+            <p:ph idx="1"/>
+          </p:nvPr>
+        </p:nvPicPr>
+        <p:blipFill>
+          <a:blip r:embed="rId2">
+            <a:extLst>
+              <a:ext uri="{28A0092B-C50C-407E-A947-70E740481C1C}">
+                <a14:useLocalDpi xmlns:a14="http://schemas.microsoft.com/office/drawing/2010/main" val="0"/>
+              </a:ext>
+            </a:extLst>
+          </a:blip>
+          <a:srcRect/>
+          <a:stretch>
+            <a:fillRect/>
+          </a:stretch>
+        </p:blipFill>
+        <p:spPr bwMode="auto">
+          <a:xfrm>
+            <a:off x="457200" y="2743508"/>
+            <a:ext cx="8229600" cy="2239346"/>
+          </a:xfrm>
+          <a:prstGeom prst="rect">
+            <a:avLst/>
+          </a:prstGeom>
+          <a:noFill/>
+          <a:ln>
+            <a:noFill/>
+          </a:ln>
+          <a:extLst>
+            <a:ext uri="{909E8E84-426E-40DD-AFC4-6F175D3DCCD1}">
+              <a14:hiddenFill xmlns:a14="http://schemas.microsoft.com/office/drawing/2010/main">
+                <a:solidFill>
+                  <a:schemeClr val="accent1"/>
+                </a:solidFill>
+              </a14:hiddenFill>
+            </a:ext>
+            <a:ext uri="{91240B29-F687-4F45-9708-019B960494DF}">
+              <a14:hiddenLine xmlns:a14="http://schemas.microsoft.com/office/drawing/2010/main" w="9525">
+                <a:solidFill>
+                  <a:schemeClr val="tx1"/>
+                </a:solidFill>
+                <a:miter lim="800000"/>
+                <a:headEnd/>
+                <a:tailEnd/>
+              </a14:hiddenLine>
+            </a:ext>
+          </a:extLst>
+        </p:spPr>
+      </p:pic>
+      <p:sp>
+        <p:nvSpPr>
+          <p:cNvPr id="3" name="TextBox 2"/>
+          <p:cNvSpPr txBox="1"/>
+          <p:nvPr/>
+        </p:nvSpPr>
+        <p:spPr>
+          <a:xfrm>
+            <a:off x="6588224" y="5733256"/>
+            <a:ext cx="1440160" cy="369332"/>
+          </a:xfrm>
+          <a:prstGeom prst="rect">
+            <a:avLst/>
+          </a:prstGeom>
+          <a:noFill/>
+        </p:spPr>
+        <p:txBody>
+          <a:bodyPr wrap="square" rtlCol="0">
+            <a:spAutoFit/>
+          </a:bodyPr>
+          <a:lstStyle/>
+          <a:p>
+            <a:r>
+              <a:rPr lang="en-US" altLang="ko-KR" dirty="0">
+                <a:latin typeface="+mn-lt"/>
+              </a:rPr>
+              <a:t>[Harris]</a:t>
+            </a:r>
+            <a:endParaRPr lang="ko-KR" altLang="en-US" dirty="0">
+              <a:latin typeface="+mn-lt"/>
+            </a:endParaRPr>
+          </a:p>
+        </p:txBody>
+      </p:sp>
+      <p:sp>
+        <p:nvSpPr>
+          <p:cNvPr id="4" name="직사각형 3"/>
+          <p:cNvSpPr/>
+          <p:nvPr/>
+        </p:nvSpPr>
+        <p:spPr>
+          <a:xfrm>
+            <a:off x="7524328" y="2636912"/>
+            <a:ext cx="1224136" cy="2592288"/>
+          </a:xfrm>
+          <a:prstGeom prst="rect">
+            <a:avLst/>
+          </a:prstGeom>
+          <a:solidFill>
+            <a:schemeClr val="bg1"/>
+          </a:solidFill>
+          <a:ln>
+            <a:noFill/>
+          </a:ln>
+        </p:spPr>
+        <p:style>
+          <a:lnRef idx="2">
+            <a:schemeClr val="accent1">
+              <a:shade val="50000"/>
+            </a:schemeClr>
+          </a:lnRef>
+          <a:fillRef idx="1">
+            <a:schemeClr val="accent1"/>
+          </a:fillRef>
+          <a:effectRef idx="0">
+            <a:schemeClr val="accent1"/>
+          </a:effectRef>
+          <a:fontRef idx="minor">
+            <a:schemeClr val="lt1"/>
+          </a:fontRef>
+        </p:style>
+        <p:txBody>
+          <a:bodyPr rtlCol="0" anchor="ctr"/>
+          <a:lstStyle/>
+          <a:p>
+            <a:pPr algn="ctr"/>
+            <a:endParaRPr lang="ko-KR" altLang="en-US"/>
+          </a:p>
+        </p:txBody>
+      </p:sp>
+    </p:spTree>
+    <p:extLst>
+      <p:ext uri="{BB962C8B-B14F-4D97-AF65-F5344CB8AC3E}">
+        <p14:creationId xmlns:p14="http://schemas.microsoft.com/office/powerpoint/2010/main" val="1465429708"/>
+      </p:ext>
+    </p:extLst>
+  </p:cSld>
+  <p:clrMapOvr>
+    <a:masterClrMapping/>
+  </p:clrMapOvr>
+</p:sld>
+</file>
+
+<file path=ppt/slides/slide40.xml><?xml version="1.0" encoding="utf-8"?>
 <p:sld xmlns:a="http://schemas.openxmlformats.org/drawingml/2006/main" xmlns:r="http://schemas.openxmlformats.org/officeDocument/2006/relationships" xmlns:p="http://schemas.openxmlformats.org/presentationml/2006/main">
   <p:cSld>
     <p:spTree>
@@ -13066,7 +13518,7 @@
 </p:sld>
 </file>
 
-<file path=ppt/slides/slide38.xml><?xml version="1.0" encoding="utf-8"?>
+<file path=ppt/slides/slide41.xml><?xml version="1.0" encoding="utf-8"?>
 <p:sld xmlns:a="http://schemas.openxmlformats.org/drawingml/2006/main" xmlns:r="http://schemas.openxmlformats.org/officeDocument/2006/relationships" xmlns:p="http://schemas.openxmlformats.org/presentationml/2006/main">
   <p:cSld>
     <p:spTree>
@@ -13202,7 +13654,7 @@
 </p:sld>
 </file>
 
-<file path=ppt/slides/slide39.xml><?xml version="1.0" encoding="utf-8"?>
+<file path=ppt/slides/slide42.xml><?xml version="1.0" encoding="utf-8"?>
 <p:sld xmlns:a="http://schemas.openxmlformats.org/drawingml/2006/main" xmlns:r="http://schemas.openxmlformats.org/officeDocument/2006/relationships" xmlns:p="http://schemas.openxmlformats.org/presentationml/2006/main">
   <p:cSld>
     <p:spTree>
@@ -13528,196 +13980,7 @@
 </p:sld>
 </file>
 
-<file path=ppt/slides/slide4.xml><?xml version="1.0" encoding="utf-8"?>
-<p:sld xmlns:a="http://schemas.openxmlformats.org/drawingml/2006/main" xmlns:r="http://schemas.openxmlformats.org/officeDocument/2006/relationships" xmlns:p="http://schemas.openxmlformats.org/presentationml/2006/main">
-  <p:cSld>
-    <p:spTree>
-      <p:nvGrpSpPr>
-        <p:cNvPr id="1" name=""/>
-        <p:cNvGrpSpPr/>
-        <p:nvPr/>
-      </p:nvGrpSpPr>
-      <p:grpSpPr>
-        <a:xfrm>
-          <a:off x="0" y="0"/>
-          <a:ext cx="0" cy="0"/>
-          <a:chOff x="0" y="0"/>
-          <a:chExt cx="0" cy="0"/>
-        </a:xfrm>
-      </p:grpSpPr>
-      <p:sp>
-        <p:nvSpPr>
-          <p:cNvPr id="2" name="제목 1"/>
-          <p:cNvSpPr>
-            <a:spLocks noGrp="1"/>
-          </p:cNvSpPr>
-          <p:nvPr>
-            <p:ph type="title"/>
-          </p:nvPr>
-        </p:nvSpPr>
-        <p:spPr/>
-        <p:txBody>
-          <a:bodyPr/>
-          <a:lstStyle/>
-          <a:p>
-            <a:r>
-              <a:rPr lang="en-US" altLang="ko-KR" dirty="0"/>
-              <a:t>Parallel Reduction</a:t>
-            </a:r>
-            <a:endParaRPr lang="ko-KR" altLang="en-US" dirty="0"/>
-          </a:p>
-        </p:txBody>
-      </p:sp>
-      <p:pic>
-        <p:nvPicPr>
-          <p:cNvPr id="2050" name="Picture 2"/>
-          <p:cNvPicPr>
-            <a:picLocks noGrp="1" noChangeAspect="1" noChangeArrowheads="1"/>
-          </p:cNvPicPr>
-          <p:nvPr>
-            <p:ph idx="1"/>
-          </p:nvPr>
-        </p:nvPicPr>
-        <p:blipFill>
-          <a:blip r:embed="rId2">
-            <a:extLst>
-              <a:ext uri="{28A0092B-C50C-407E-A947-70E740481C1C}">
-                <a14:useLocalDpi xmlns:a14="http://schemas.microsoft.com/office/drawing/2010/main" val="0"/>
-              </a:ext>
-            </a:extLst>
-          </a:blip>
-          <a:srcRect/>
-          <a:stretch>
-            <a:fillRect/>
-          </a:stretch>
-        </p:blipFill>
-        <p:spPr bwMode="auto">
-          <a:xfrm>
-            <a:off x="457200" y="2743508"/>
-            <a:ext cx="8229600" cy="2239346"/>
-          </a:xfrm>
-          <a:prstGeom prst="rect">
-            <a:avLst/>
-          </a:prstGeom>
-          <a:noFill/>
-          <a:ln>
-            <a:noFill/>
-          </a:ln>
-          <a:extLst>
-            <a:ext uri="{909E8E84-426E-40DD-AFC4-6F175D3DCCD1}">
-              <a14:hiddenFill xmlns:a14="http://schemas.microsoft.com/office/drawing/2010/main">
-                <a:solidFill>
-                  <a:schemeClr val="accent1"/>
-                </a:solidFill>
-              </a14:hiddenFill>
-            </a:ext>
-            <a:ext uri="{91240B29-F687-4F45-9708-019B960494DF}">
-              <a14:hiddenLine xmlns:a14="http://schemas.microsoft.com/office/drawing/2010/main" w="9525">
-                <a:solidFill>
-                  <a:schemeClr val="tx1"/>
-                </a:solidFill>
-                <a:miter lim="800000"/>
-                <a:headEnd/>
-                <a:tailEnd/>
-              </a14:hiddenLine>
-            </a:ext>
-          </a:extLst>
-        </p:spPr>
-      </p:pic>
-      <p:sp>
-        <p:nvSpPr>
-          <p:cNvPr id="3" name="TextBox 2"/>
-          <p:cNvSpPr txBox="1"/>
-          <p:nvPr/>
-        </p:nvSpPr>
-        <p:spPr>
-          <a:xfrm>
-            <a:off x="6588224" y="5733256"/>
-            <a:ext cx="1440160" cy="369332"/>
-          </a:xfrm>
-          <a:prstGeom prst="rect">
-            <a:avLst/>
-          </a:prstGeom>
-          <a:noFill/>
-        </p:spPr>
-        <p:txBody>
-          <a:bodyPr wrap="square" rtlCol="0">
-            <a:spAutoFit/>
-          </a:bodyPr>
-          <a:lstStyle/>
-          <a:p>
-            <a:r>
-              <a:rPr lang="en-US" altLang="ko-KR" dirty="0">
-                <a:latin typeface="+mn-lt"/>
-              </a:rPr>
-              <a:t>[Harris]</a:t>
-            </a:r>
-            <a:endParaRPr lang="ko-KR" altLang="en-US" dirty="0">
-              <a:latin typeface="+mn-lt"/>
-            </a:endParaRPr>
-          </a:p>
-        </p:txBody>
-      </p:sp>
-      <p:sp>
-        <p:nvSpPr>
-          <p:cNvPr id="4" name="직사각형 3"/>
-          <p:cNvSpPr/>
-          <p:nvPr/>
-        </p:nvSpPr>
-        <p:spPr>
-          <a:xfrm>
-            <a:off x="7524328" y="2636912"/>
-            <a:ext cx="1224136" cy="2592288"/>
-          </a:xfrm>
-          <a:prstGeom prst="rect">
-            <a:avLst/>
-          </a:prstGeom>
-          <a:solidFill>
-            <a:schemeClr val="bg1"/>
-          </a:solidFill>
-          <a:ln>
-            <a:noFill/>
-          </a:ln>
-        </p:spPr>
-        <p:style>
-          <a:lnRef idx="2">
-            <a:schemeClr val="accent1">
-              <a:shade val="50000"/>
-            </a:schemeClr>
-          </a:lnRef>
-          <a:fillRef idx="1">
-            <a:schemeClr val="accent1"/>
-          </a:fillRef>
-          <a:effectRef idx="0">
-            <a:schemeClr val="accent1"/>
-          </a:effectRef>
-          <a:fontRef idx="minor">
-            <a:schemeClr val="lt1"/>
-          </a:fontRef>
-        </p:style>
-        <p:txBody>
-          <a:bodyPr rtlCol="0" anchor="ctr"/>
-          <a:lstStyle/>
-          <a:p>
-            <a:pPr algn="ctr"/>
-            <a:endParaRPr lang="ko-KR" altLang="en-US"/>
-          </a:p>
-        </p:txBody>
-      </p:sp>
-    </p:spTree>
-    <p:extLst>
-      <p:ext uri="{BB962C8B-B14F-4D97-AF65-F5344CB8AC3E}">
-        <p14:creationId xmlns:p14="http://schemas.microsoft.com/office/powerpoint/2010/main" val="1465429708"/>
-      </p:ext>
-    </p:extLst>
-  </p:cSld>
-  <p:clrMapOvr>
-    <a:masterClrMapping/>
-  </p:clrMapOvr>
-</p:sld>
-</file>
-
-<file path=ppt/slides/slide40.xml><?xml version="1.0" encoding="utf-8"?>
+<file path=ppt/slides/slide43.xml><?xml version="1.0" encoding="utf-8"?>
 <p:sld xmlns:a="http://schemas.openxmlformats.org/drawingml/2006/main" xmlns:r="http://schemas.openxmlformats.org/officeDocument/2006/relationships" xmlns:p="http://schemas.openxmlformats.org/presentationml/2006/main">
   <p:cSld>
     <p:spTree>
@@ -13892,7 +14155,23 @@
           <a:p>
             <a:r>
               <a:rPr lang="en-US" altLang="ko-KR" dirty="0"/>
-              <a:t>Performing a commutative and associative operation across a vector is called the reduction.</a:t>
+              <a:t>Performing a commutative(</a:t>
+            </a:r>
+            <a:r>
+              <a:rPr lang="ko-KR" altLang="en-US" dirty="0"/>
+              <a:t>교환 법칙</a:t>
+            </a:r>
+            <a:r>
+              <a:rPr lang="en-US" altLang="ko-KR" dirty="0"/>
+              <a:t>) and associative(</a:t>
+            </a:r>
+            <a:r>
+              <a:rPr lang="ko-KR" altLang="en-US" dirty="0"/>
+              <a:t>결합 법칙</a:t>
+            </a:r>
+            <a:r>
+              <a:rPr lang="en-US" altLang="ko-KR" dirty="0"/>
+              <a:t>) operation across a vector is called the reduction.</a:t>
             </a:r>
           </a:p>
           <a:p>
@@ -14572,7 +14851,7 @@
         </p:blipFill>
         <p:spPr bwMode="auto">
           <a:xfrm>
-            <a:off x="395536" y="1268760"/>
+            <a:off x="395536" y="1281882"/>
             <a:ext cx="8053730" cy="4536504"/>
           </a:xfrm>
           <a:prstGeom prst="rect">
@@ -14642,7 +14921,7 @@
         </p:nvSpPr>
         <p:spPr>
           <a:xfrm>
-            <a:off x="966017" y="1812210"/>
+            <a:off x="966017" y="1812820"/>
             <a:ext cx="6912768" cy="307777"/>
           </a:xfrm>
           <a:prstGeom prst="rect">
@@ -14784,25 +15063,6 @@
       </p:grpSpPr>
       <p:sp>
         <p:nvSpPr>
-          <p:cNvPr id="2" name="제목 1"/>
-          <p:cNvSpPr>
-            <a:spLocks noGrp="1"/>
-          </p:cNvSpPr>
-          <p:nvPr>
-            <p:ph type="title"/>
-          </p:nvPr>
-        </p:nvSpPr>
-        <p:spPr/>
-        <p:txBody>
-          <a:bodyPr/>
-          <a:lstStyle/>
-          <a:p>
-            <a:endParaRPr lang="ko-KR" altLang="en-US" dirty="0"/>
-          </a:p>
-        </p:txBody>
-      </p:sp>
-      <p:sp>
-        <p:nvSpPr>
           <p:cNvPr id="3" name="내용 개체 틀 2"/>
           <p:cNvSpPr>
             <a:spLocks noGrp="1"/>
@@ -14908,91 +15168,33 @@
           <a:chExt cx="0" cy="0"/>
         </a:xfrm>
       </p:grpSpPr>
-      <p:sp>
-        <p:nvSpPr>
-          <p:cNvPr id="2" name="제목 1"/>
-          <p:cNvSpPr>
-            <a:spLocks noGrp="1"/>
-          </p:cNvSpPr>
-          <p:nvPr>
-            <p:ph type="title"/>
-          </p:nvPr>
-        </p:nvSpPr>
-        <p:spPr/>
-        <p:txBody>
-          <a:bodyPr/>
-          <a:lstStyle/>
-          <a:p>
-            <a:r>
-              <a:rPr lang="en-US" altLang="ko-KR" dirty="0"/>
-              <a:t>Warp Divergence</a:t>
-            </a:r>
-            <a:endParaRPr lang="ko-KR" altLang="en-US" dirty="0"/>
-          </a:p>
-        </p:txBody>
-      </p:sp>
-      <p:sp>
-        <p:nvSpPr>
-          <p:cNvPr id="3" name="내용 개체 틀 2"/>
-          <p:cNvSpPr>
-            <a:spLocks noGrp="1"/>
-          </p:cNvSpPr>
-          <p:nvPr>
-            <p:ph idx="1"/>
-          </p:nvPr>
-        </p:nvSpPr>
-        <p:spPr/>
-        <p:txBody>
-          <a:bodyPr/>
-          <a:lstStyle/>
-          <a:p>
-            <a:r>
-              <a:rPr lang="en-US" altLang="ko-KR" dirty="0"/>
-              <a:t>All threads in a warp must execute identical instructions on the same cycle.</a:t>
-            </a:r>
-          </a:p>
-          <a:p>
-            <a:r>
-              <a:rPr lang="en-US" altLang="ko-KR" dirty="0"/>
-              <a:t>If threads in the same warp take different paths, what will happen?</a:t>
-            </a:r>
-          </a:p>
-          <a:p>
-            <a:r>
-              <a:rPr lang="en-US" altLang="ko-KR" dirty="0"/>
-              <a:t>if( condition) { }</a:t>
-            </a:r>
-          </a:p>
-          <a:p>
-            <a:pPr marL="0" indent="0">
-              <a:buNone/>
-            </a:pPr>
-            <a:r>
-              <a:rPr lang="en-US" altLang="ko-KR" dirty="0"/>
-              <a:t>   else { }</a:t>
-            </a:r>
-          </a:p>
-          <a:p>
-            <a:r>
-              <a:rPr lang="en-US" altLang="ko-KR" dirty="0">
-                <a:solidFill>
-                  <a:srgbClr val="FF0000"/>
-                </a:solidFill>
-              </a:rPr>
-              <a:t>Warp Divergence : Threads in the same warp executing different instructions.</a:t>
-            </a:r>
-            <a:endParaRPr lang="ko-KR" altLang="en-US" dirty="0">
-              <a:solidFill>
-                <a:srgbClr val="FF0000"/>
-              </a:solidFill>
-            </a:endParaRPr>
-          </a:p>
-        </p:txBody>
-      </p:sp>
+      <p:pic>
+        <p:nvPicPr>
+          <p:cNvPr id="4" name="그림 3"/>
+          <p:cNvPicPr>
+            <a:picLocks noChangeAspect="1"/>
+          </p:cNvPicPr>
+          <p:nvPr/>
+        </p:nvPicPr>
+        <p:blipFill rotWithShape="1">
+          <a:blip r:embed="rId2"/>
+          <a:srcRect l="11812" t="52831" r="58263" b="16979"/>
+          <a:stretch/>
+        </p:blipFill>
+        <p:spPr>
+          <a:xfrm>
+            <a:off x="539552" y="2564904"/>
+            <a:ext cx="8436937" cy="2664296"/>
+          </a:xfrm>
+          <a:prstGeom prst="rect">
+            <a:avLst/>
+          </a:prstGeom>
+        </p:spPr>
+      </p:pic>
     </p:spTree>
     <p:extLst>
       <p:ext uri="{BB962C8B-B14F-4D97-AF65-F5344CB8AC3E}">
-        <p14:creationId xmlns:p14="http://schemas.microsoft.com/office/powerpoint/2010/main" val="2020717529"/>
+        <p14:creationId xmlns:p14="http://schemas.microsoft.com/office/powerpoint/2010/main" val="2435198584"/>
       </p:ext>
     </p:extLst>
   </p:cSld>

--- a/gpu/EE817 Lecture 8 CUDA Parallel Reduction Problem.pptx
+++ b/gpu/EE817 Lecture 8 CUDA Parallel Reduction Problem.pptx
@@ -201,6 +201,10 @@
 </p:presentation>
 </file>
 
+<file path=ppt/revisionInfo.xml><?xml version="1.0" encoding="utf-8"?>
+<p1510:revInfo xmlns:a="http://schemas.openxmlformats.org/drawingml/2006/main" xmlns:r="http://schemas.openxmlformats.org/officeDocument/2006/relationships" xmlns:p1510="http://schemas.microsoft.com/office/powerpoint/2015/10/main"/>
+</file>
+
 <file path=ppt/handoutMasters/handoutMaster1.xml><?xml version="1.0" encoding="utf-8"?>
 <p:handoutMaster xmlns:a="http://schemas.openxmlformats.org/drawingml/2006/main" xmlns:r="http://schemas.openxmlformats.org/officeDocument/2006/relationships" xmlns:p="http://schemas.openxmlformats.org/presentationml/2006/main">
   <p:cSld>
@@ -283,7 +287,7 @@
           <a:p>
             <a:fld id="{0958D145-3F61-4970-8B92-DDA610F3EB4F}" type="datetimeFigureOut">
               <a:rPr lang="ko-KR" altLang="en-US" smtClean="0"/>
-              <a:t>2017-04-19</a:t>
+              <a:t>2017-06-01</a:t>
             </a:fld>
             <a:endParaRPr lang="ko-KR" altLang="en-US" dirty="0"/>
           </a:p>
@@ -478,7 +482,7 @@
               <a:pPr>
                 <a:defRPr/>
               </a:pPr>
-              <a:t>2017-04-18</a:t>
+              <a:t>2017-06-01</a:t>
             </a:fld>
             <a:endParaRPr lang="ko-KR" altLang="en-US" dirty="0"/>
           </a:p>
@@ -1250,7 +1254,7 @@
               <a:pPr>
                 <a:defRPr/>
               </a:pPr>
-              <a:t>4/18/2017</a:t>
+              <a:t>6/1/2017</a:t>
             </a:fld>
             <a:endParaRPr lang="en-US" altLang="ko-KR" dirty="0"/>
           </a:p>
@@ -1452,7 +1456,7 @@
               <a:pPr>
                 <a:defRPr/>
               </a:pPr>
-              <a:t>4/18/2017</a:t>
+              <a:t>6/1/2017</a:t>
             </a:fld>
             <a:endParaRPr lang="en-US" altLang="ko-KR" dirty="0"/>
           </a:p>
@@ -1885,7 +1889,7 @@
               <a:pPr>
                 <a:defRPr/>
               </a:pPr>
-              <a:t>4/18/2017</a:t>
+              <a:t>6/1/2017</a:t>
             </a:fld>
             <a:endParaRPr lang="en-US" altLang="ko-KR" dirty="0"/>
           </a:p>
@@ -2082,7 +2086,7 @@
               <a:pPr>
                 <a:defRPr/>
               </a:pPr>
-              <a:t>4/18/2017</a:t>
+              <a:t>6/1/2017</a:t>
             </a:fld>
             <a:endParaRPr lang="en-US" altLang="ko-KR" dirty="0"/>
           </a:p>
@@ -2597,7 +2601,7 @@
               <a:pPr>
                 <a:defRPr/>
               </a:pPr>
-              <a:t>4/18/2017</a:t>
+              <a:t>6/1/2017</a:t>
             </a:fld>
             <a:endParaRPr lang="en-US" altLang="ko-KR" dirty="0"/>
           </a:p>
@@ -2912,7 +2916,7 @@
               <a:pPr>
                 <a:defRPr/>
               </a:pPr>
-              <a:t>4/18/2017</a:t>
+              <a:t>6/1/2017</a:t>
             </a:fld>
             <a:endParaRPr lang="en-US" altLang="ko-KR" dirty="0"/>
           </a:p>
@@ -3415,7 +3419,7 @@
               <a:pPr>
                 <a:defRPr/>
               </a:pPr>
-              <a:t>4/18/2017</a:t>
+              <a:t>6/1/2017</a:t>
             </a:fld>
             <a:endParaRPr lang="en-US" altLang="ko-KR" dirty="0"/>
           </a:p>
@@ -3803,7 +3807,7 @@
               <a:pPr>
                 <a:defRPr/>
               </a:pPr>
-              <a:t>4/18/2017</a:t>
+              <a:t>6/1/2017</a:t>
             </a:fld>
             <a:endParaRPr lang="en-US" altLang="ko-KR" dirty="0"/>
           </a:p>
@@ -4261,7 +4265,7 @@
               <a:pPr>
                 <a:defRPr/>
               </a:pPr>
-              <a:t>4/18/2017</a:t>
+              <a:t>6/1/2017</a:t>
             </a:fld>
             <a:endParaRPr lang="en-US" altLang="ko-KR" dirty="0"/>
           </a:p>
@@ -4559,7 +4563,7 @@
               <a:pPr>
                 <a:defRPr/>
               </a:pPr>
-              <a:t>4/18/2017</a:t>
+              <a:t>6/1/2017</a:t>
             </a:fld>
             <a:endParaRPr lang="en-US" altLang="ko-KR" dirty="0"/>
           </a:p>
@@ -4889,7 +4893,7 @@
               <a:pPr>
                 <a:defRPr/>
               </a:pPr>
-              <a:t>4/18/2017</a:t>
+              <a:t>6/1/2017</a:t>
             </a:fld>
             <a:endParaRPr lang="en-US" altLang="ko-KR" dirty="0"/>
           </a:p>
@@ -5407,7 +5411,7 @@
               <a:pPr>
                 <a:defRPr/>
               </a:pPr>
-              <a:t>4/18/2017</a:t>
+              <a:t>6/1/2017</a:t>
             </a:fld>
             <a:endParaRPr lang="en-US" altLang="ko-KR" dirty="0"/>
           </a:p>
@@ -13422,25 +13426,6 @@
           </a:p>
         </p:txBody>
       </p:sp>
-      <p:sp>
-        <p:nvSpPr>
-          <p:cNvPr id="3" name="내용 개체 틀 2"/>
-          <p:cNvSpPr>
-            <a:spLocks noGrp="1"/>
-          </p:cNvSpPr>
-          <p:nvPr>
-            <p:ph idx="1"/>
-          </p:nvPr>
-        </p:nvSpPr>
-        <p:spPr/>
-        <p:txBody>
-          <a:bodyPr/>
-          <a:lstStyle/>
-          <a:p>
-            <a:endParaRPr lang="ko-KR" altLang="en-US" dirty="0"/>
-          </a:p>
-        </p:txBody>
-      </p:sp>
       <p:pic>
         <p:nvPicPr>
           <p:cNvPr id="9218" name="Picture 2"/>
@@ -13554,25 +13539,6 @@
               <a:rPr lang="en-US" altLang="ko-KR" dirty="0"/>
               <a:t>Load/Store Efficiency</a:t>
             </a:r>
-            <a:endParaRPr lang="ko-KR" altLang="en-US" dirty="0"/>
-          </a:p>
-        </p:txBody>
-      </p:sp>
-      <p:sp>
-        <p:nvSpPr>
-          <p:cNvPr id="3" name="내용 개체 틀 2"/>
-          <p:cNvSpPr>
-            <a:spLocks noGrp="1"/>
-          </p:cNvSpPr>
-          <p:nvPr>
-            <p:ph idx="1"/>
-          </p:nvPr>
-        </p:nvSpPr>
-        <p:spPr/>
-        <p:txBody>
-          <a:bodyPr/>
-          <a:lstStyle/>
-          <a:p>
             <a:endParaRPr lang="ko-KR" altLang="en-US" dirty="0"/>
           </a:p>
         </p:txBody>

--- a/gpu/EE817 Lecture 8 CUDA Parallel Reduction Problem.pptx
+++ b/gpu/EE817 Lecture 8 CUDA Parallel Reduction Problem.pptx
@@ -287,7 +287,7 @@
           <a:p>
             <a:fld id="{0958D145-3F61-4970-8B92-DDA610F3EB4F}" type="datetimeFigureOut">
               <a:rPr lang="ko-KR" altLang="en-US" smtClean="0"/>
-              <a:t>2017-06-01</a:t>
+              <a:t>2017-06-13</a:t>
             </a:fld>
             <a:endParaRPr lang="ko-KR" altLang="en-US" dirty="0"/>
           </a:p>
@@ -482,7 +482,7 @@
               <a:pPr>
                 <a:defRPr/>
               </a:pPr>
-              <a:t>2017-06-01</a:t>
+              <a:t>2017-06-13</a:t>
             </a:fld>
             <a:endParaRPr lang="ko-KR" altLang="en-US" dirty="0"/>
           </a:p>
@@ -1254,7 +1254,7 @@
               <a:pPr>
                 <a:defRPr/>
               </a:pPr>
-              <a:t>6/1/2017</a:t>
+              <a:t>6/13/2017</a:t>
             </a:fld>
             <a:endParaRPr lang="en-US" altLang="ko-KR" dirty="0"/>
           </a:p>
@@ -1456,7 +1456,7 @@
               <a:pPr>
                 <a:defRPr/>
               </a:pPr>
-              <a:t>6/1/2017</a:t>
+              <a:t>6/13/2017</a:t>
             </a:fld>
             <a:endParaRPr lang="en-US" altLang="ko-KR" dirty="0"/>
           </a:p>
@@ -1889,7 +1889,7 @@
               <a:pPr>
                 <a:defRPr/>
               </a:pPr>
-              <a:t>6/1/2017</a:t>
+              <a:t>6/13/2017</a:t>
             </a:fld>
             <a:endParaRPr lang="en-US" altLang="ko-KR" dirty="0"/>
           </a:p>
@@ -2086,7 +2086,7 @@
               <a:pPr>
                 <a:defRPr/>
               </a:pPr>
-              <a:t>6/1/2017</a:t>
+              <a:t>6/13/2017</a:t>
             </a:fld>
             <a:endParaRPr lang="en-US" altLang="ko-KR" dirty="0"/>
           </a:p>
@@ -2601,7 +2601,7 @@
               <a:pPr>
                 <a:defRPr/>
               </a:pPr>
-              <a:t>6/1/2017</a:t>
+              <a:t>6/13/2017</a:t>
             </a:fld>
             <a:endParaRPr lang="en-US" altLang="ko-KR" dirty="0"/>
           </a:p>
@@ -2916,7 +2916,7 @@
               <a:pPr>
                 <a:defRPr/>
               </a:pPr>
-              <a:t>6/1/2017</a:t>
+              <a:t>6/13/2017</a:t>
             </a:fld>
             <a:endParaRPr lang="en-US" altLang="ko-KR" dirty="0"/>
           </a:p>
@@ -3419,7 +3419,7 @@
               <a:pPr>
                 <a:defRPr/>
               </a:pPr>
-              <a:t>6/1/2017</a:t>
+              <a:t>6/13/2017</a:t>
             </a:fld>
             <a:endParaRPr lang="en-US" altLang="ko-KR" dirty="0"/>
           </a:p>
@@ -3807,7 +3807,7 @@
               <a:pPr>
                 <a:defRPr/>
               </a:pPr>
-              <a:t>6/1/2017</a:t>
+              <a:t>6/13/2017</a:t>
             </a:fld>
             <a:endParaRPr lang="en-US" altLang="ko-KR" dirty="0"/>
           </a:p>
@@ -4265,7 +4265,7 @@
               <a:pPr>
                 <a:defRPr/>
               </a:pPr>
-              <a:t>6/1/2017</a:t>
+              <a:t>6/13/2017</a:t>
             </a:fld>
             <a:endParaRPr lang="en-US" altLang="ko-KR" dirty="0"/>
           </a:p>
@@ -4563,7 +4563,7 @@
               <a:pPr>
                 <a:defRPr/>
               </a:pPr>
-              <a:t>6/1/2017</a:t>
+              <a:t>6/13/2017</a:t>
             </a:fld>
             <a:endParaRPr lang="en-US" altLang="ko-KR" dirty="0"/>
           </a:p>
@@ -4893,7 +4893,7 @@
               <a:pPr>
                 <a:defRPr/>
               </a:pPr>
-              <a:t>6/1/2017</a:t>
+              <a:t>6/13/2017</a:t>
             </a:fld>
             <a:endParaRPr lang="en-US" altLang="ko-KR" dirty="0"/>
           </a:p>
@@ -5411,7 +5411,7 @@
               <a:pPr>
                 <a:defRPr/>
               </a:pPr>
-              <a:t>6/1/2017</a:t>
+              <a:t>6/13/2017</a:t>
             </a:fld>
             <a:endParaRPr lang="en-US" altLang="ko-KR" dirty="0"/>
           </a:p>
@@ -7757,25 +7757,6 @@
           <a:chExt cx="0" cy="0"/>
         </a:xfrm>
       </p:grpSpPr>
-      <p:sp>
-        <p:nvSpPr>
-          <p:cNvPr id="2" name="제목 1"/>
-          <p:cNvSpPr>
-            <a:spLocks noGrp="1"/>
-          </p:cNvSpPr>
-          <p:nvPr>
-            <p:ph type="title"/>
-          </p:nvPr>
-        </p:nvSpPr>
-        <p:spPr/>
-        <p:txBody>
-          <a:bodyPr/>
-          <a:lstStyle/>
-          <a:p>
-            <a:endParaRPr lang="ko-KR" altLang="en-US"/>
-          </a:p>
-        </p:txBody>
-      </p:sp>
       <p:pic>
         <p:nvPicPr>
           <p:cNvPr id="3074" name="Picture 2"/>
@@ -12963,25 +12944,6 @@
           </a:p>
         </p:txBody>
       </p:sp>
-      <p:sp>
-        <p:nvSpPr>
-          <p:cNvPr id="3" name="내용 개체 틀 2"/>
-          <p:cNvSpPr>
-            <a:spLocks noGrp="1"/>
-          </p:cNvSpPr>
-          <p:nvPr>
-            <p:ph idx="1"/>
-          </p:nvPr>
-        </p:nvSpPr>
-        <p:spPr/>
-        <p:txBody>
-          <a:bodyPr/>
-          <a:lstStyle/>
-          <a:p>
-            <a:endParaRPr lang="ko-KR" altLang="en-US" dirty="0"/>
-          </a:p>
-        </p:txBody>
-      </p:sp>
       <p:pic>
         <p:nvPicPr>
           <p:cNvPr id="11266" name="Picture 2"/>
@@ -14772,25 +14734,6 @@
             <a:endParaRPr lang="ko-KR" altLang="en-US" sz="1400" dirty="0">
               <a:latin typeface="+mn-lt"/>
             </a:endParaRPr>
-          </a:p>
-        </p:txBody>
-      </p:sp>
-      <p:sp>
-        <p:nvSpPr>
-          <p:cNvPr id="6" name="내용 개체 틀 5"/>
-          <p:cNvSpPr>
-            <a:spLocks noGrp="1"/>
-          </p:cNvSpPr>
-          <p:nvPr>
-            <p:ph idx="1"/>
-          </p:nvPr>
-        </p:nvSpPr>
-        <p:spPr/>
-        <p:txBody>
-          <a:bodyPr/>
-          <a:lstStyle/>
-          <a:p>
-            <a:endParaRPr lang="ko-KR" altLang="en-US" dirty="0"/>
           </a:p>
         </p:txBody>
       </p:sp>
